--- a/Web fundamentals.pptx
+++ b/Web fundamentals.pptx
@@ -1,9 +1,12 @@
 
 <file path=ppt/presentation.xml><?xml version="1.0" encoding="utf-8"?>
-<p:presentation xmlns:a="http://schemas.openxmlformats.org/drawingml/2006/main" xmlns:r="http://schemas.openxmlformats.org/officeDocument/2006/relationships" xmlns:p="http://schemas.openxmlformats.org/presentationml/2006/main" rtl="1" saveSubsetFonts="1">
+<p:presentation xmlns:a="http://schemas.openxmlformats.org/drawingml/2006/main" xmlns:r="http://schemas.openxmlformats.org/officeDocument/2006/relationships" xmlns:p="http://schemas.openxmlformats.org/presentationml/2006/main" showSpecialPlsOnTitleSld="0" rtl="1" saveSubsetFonts="1">
   <p:sldMasterIdLst>
     <p:sldMasterId id="2147483864" r:id="rId1"/>
   </p:sldMasterIdLst>
+  <p:notesMasterIdLst>
+    <p:notesMasterId r:id="rId7"/>
+  </p:notesMasterIdLst>
   <p:sldIdLst>
     <p:sldId id="256" r:id="rId2"/>
     <p:sldId id="257" r:id="rId3"/>
@@ -108,7 +111,541 @@
       </a:defRPr>
     </a:lvl9pPr>
   </p:defaultTextStyle>
+  <p:extLst>
+    <p:ext uri="{EFAFB233-063F-42B5-8137-9DF3F51BA10A}">
+      <p15:sldGuideLst xmlns:p15="http://schemas.microsoft.com/office/powerpoint/2012/main">
+        <p15:guide id="1" orient="horz" pos="2160">
+          <p15:clr>
+            <a:srgbClr val="A4A3A4"/>
+          </p15:clr>
+        </p15:guide>
+        <p15:guide id="2" pos="2880">
+          <p15:clr>
+            <a:srgbClr val="A4A3A4"/>
+          </p15:clr>
+        </p15:guide>
+      </p15:sldGuideLst>
+    </p:ext>
+  </p:extLst>
 </p:presentation>
+</file>
+
+<file path=ppt/notesMasters/notesMaster1.xml><?xml version="1.0" encoding="utf-8"?>
+<p:notesMaster xmlns:a="http://schemas.openxmlformats.org/drawingml/2006/main" xmlns:r="http://schemas.openxmlformats.org/officeDocument/2006/relationships" xmlns:p="http://schemas.openxmlformats.org/presentationml/2006/main">
+  <p:cSld>
+    <p:bg>
+      <p:bgRef idx="1001">
+        <a:schemeClr val="bg1"/>
+      </p:bgRef>
+    </p:bg>
+    <p:spTree>
+      <p:nvGrpSpPr>
+        <p:cNvPr id="1" name=""/>
+        <p:cNvGrpSpPr/>
+        <p:nvPr/>
+      </p:nvGrpSpPr>
+      <p:grpSpPr>
+        <a:xfrm>
+          <a:off x="0" y="0"/>
+          <a:ext cx="0" cy="0"/>
+          <a:chOff x="0" y="0"/>
+          <a:chExt cx="0" cy="0"/>
+        </a:xfrm>
+      </p:grpSpPr>
+      <p:sp>
+        <p:nvSpPr>
+          <p:cNvPr id="2" name="Espace réservé de l'en-tête 1"/>
+          <p:cNvSpPr>
+            <a:spLocks noGrp="1"/>
+          </p:cNvSpPr>
+          <p:nvPr>
+            <p:ph type="hdr" sz="quarter"/>
+          </p:nvPr>
+        </p:nvSpPr>
+        <p:spPr>
+          <a:xfrm>
+            <a:off x="0" y="0"/>
+            <a:ext cx="2971800" cy="458788"/>
+          </a:xfrm>
+          <a:prstGeom prst="rect">
+            <a:avLst/>
+          </a:prstGeom>
+        </p:spPr>
+        <p:txBody>
+          <a:bodyPr vert="horz" lIns="91440" tIns="45720" rIns="91440" bIns="45720" rtlCol="0"/>
+          <a:lstStyle>
+            <a:lvl1pPr algn="l">
+              <a:defRPr sz="1200"/>
+            </a:lvl1pPr>
+          </a:lstStyle>
+          <a:p>
+            <a:endParaRPr lang="fr-FR"/>
+          </a:p>
+        </p:txBody>
+      </p:sp>
+      <p:sp>
+        <p:nvSpPr>
+          <p:cNvPr id="3" name="Espace réservé de la date 2"/>
+          <p:cNvSpPr>
+            <a:spLocks noGrp="1"/>
+          </p:cNvSpPr>
+          <p:nvPr>
+            <p:ph type="dt" idx="1"/>
+          </p:nvPr>
+        </p:nvSpPr>
+        <p:spPr>
+          <a:xfrm>
+            <a:off x="3884613" y="0"/>
+            <a:ext cx="2971800" cy="458788"/>
+          </a:xfrm>
+          <a:prstGeom prst="rect">
+            <a:avLst/>
+          </a:prstGeom>
+        </p:spPr>
+        <p:txBody>
+          <a:bodyPr vert="horz" lIns="91440" tIns="45720" rIns="91440" bIns="45720" rtlCol="0"/>
+          <a:lstStyle>
+            <a:lvl1pPr algn="r">
+              <a:defRPr sz="1200"/>
+            </a:lvl1pPr>
+          </a:lstStyle>
+          <a:p>
+            <a:fld id="{F6080014-C85A-4E34-8453-6CB8623621E4}" type="datetimeFigureOut">
+              <a:rPr lang="fr-FR" smtClean="0"/>
+              <a:t>18/12/2020</a:t>
+            </a:fld>
+            <a:endParaRPr lang="fr-FR"/>
+          </a:p>
+        </p:txBody>
+      </p:sp>
+      <p:sp>
+        <p:nvSpPr>
+          <p:cNvPr id="4" name="Espace réservé de l'image des diapositives 3"/>
+          <p:cNvSpPr>
+            <a:spLocks noGrp="1" noRot="1" noChangeAspect="1"/>
+          </p:cNvSpPr>
+          <p:nvPr>
+            <p:ph type="sldImg" idx="2"/>
+          </p:nvPr>
+        </p:nvSpPr>
+        <p:spPr>
+          <a:xfrm>
+            <a:off x="1371600" y="1143000"/>
+            <a:ext cx="4114800" cy="3086100"/>
+          </a:xfrm>
+          <a:prstGeom prst="rect">
+            <a:avLst/>
+          </a:prstGeom>
+          <a:noFill/>
+          <a:ln w="12700">
+            <a:solidFill>
+              <a:prstClr val="black"/>
+            </a:solidFill>
+          </a:ln>
+        </p:spPr>
+        <p:txBody>
+          <a:bodyPr vert="horz" lIns="91440" tIns="45720" rIns="91440" bIns="45720" rtlCol="0" anchor="ctr"/>
+          <a:lstStyle/>
+          <a:p>
+            <a:endParaRPr lang="fr-FR"/>
+          </a:p>
+        </p:txBody>
+      </p:sp>
+      <p:sp>
+        <p:nvSpPr>
+          <p:cNvPr id="5" name="Espace réservé des commentaires 4"/>
+          <p:cNvSpPr>
+            <a:spLocks noGrp="1"/>
+          </p:cNvSpPr>
+          <p:nvPr>
+            <p:ph type="body" sz="quarter" idx="3"/>
+          </p:nvPr>
+        </p:nvSpPr>
+        <p:spPr>
+          <a:xfrm>
+            <a:off x="685800" y="4400550"/>
+            <a:ext cx="5486400" cy="3600450"/>
+          </a:xfrm>
+          <a:prstGeom prst="rect">
+            <a:avLst/>
+          </a:prstGeom>
+        </p:spPr>
+        <p:txBody>
+          <a:bodyPr vert="horz" lIns="91440" tIns="45720" rIns="91440" bIns="45720" rtlCol="0"/>
+          <a:lstStyle/>
+          <a:p>
+            <a:pPr lvl="0"/>
+            <a:r>
+              <a:rPr lang="fr-FR" smtClean="0"/>
+              <a:t>Modifiez les styles du texte du masque</a:t>
+            </a:r>
+          </a:p>
+          <a:p>
+            <a:pPr lvl="1"/>
+            <a:r>
+              <a:rPr lang="fr-FR" smtClean="0"/>
+              <a:t>Deuxième niveau</a:t>
+            </a:r>
+          </a:p>
+          <a:p>
+            <a:pPr lvl="2"/>
+            <a:r>
+              <a:rPr lang="fr-FR" smtClean="0"/>
+              <a:t>Troisième niveau</a:t>
+            </a:r>
+          </a:p>
+          <a:p>
+            <a:pPr lvl="3"/>
+            <a:r>
+              <a:rPr lang="fr-FR" smtClean="0"/>
+              <a:t>Quatrième niveau</a:t>
+            </a:r>
+          </a:p>
+          <a:p>
+            <a:pPr lvl="4"/>
+            <a:r>
+              <a:rPr lang="fr-FR" smtClean="0"/>
+              <a:t>Cinquième niveau</a:t>
+            </a:r>
+            <a:endParaRPr lang="fr-FR"/>
+          </a:p>
+        </p:txBody>
+      </p:sp>
+      <p:sp>
+        <p:nvSpPr>
+          <p:cNvPr id="6" name="Espace réservé du pied de page 5"/>
+          <p:cNvSpPr>
+            <a:spLocks noGrp="1"/>
+          </p:cNvSpPr>
+          <p:nvPr>
+            <p:ph type="ftr" sz="quarter" idx="4"/>
+          </p:nvPr>
+        </p:nvSpPr>
+        <p:spPr>
+          <a:xfrm>
+            <a:off x="0" y="8685213"/>
+            <a:ext cx="2971800" cy="458787"/>
+          </a:xfrm>
+          <a:prstGeom prst="rect">
+            <a:avLst/>
+          </a:prstGeom>
+        </p:spPr>
+        <p:txBody>
+          <a:bodyPr vert="horz" lIns="91440" tIns="45720" rIns="91440" bIns="45720" rtlCol="0" anchor="b"/>
+          <a:lstStyle>
+            <a:lvl1pPr algn="l">
+              <a:defRPr sz="1200"/>
+            </a:lvl1pPr>
+          </a:lstStyle>
+          <a:p>
+            <a:endParaRPr lang="fr-FR"/>
+          </a:p>
+        </p:txBody>
+      </p:sp>
+      <p:sp>
+        <p:nvSpPr>
+          <p:cNvPr id="7" name="Espace réservé du numéro de diapositive 6"/>
+          <p:cNvSpPr>
+            <a:spLocks noGrp="1"/>
+          </p:cNvSpPr>
+          <p:nvPr>
+            <p:ph type="sldNum" sz="quarter" idx="5"/>
+          </p:nvPr>
+        </p:nvSpPr>
+        <p:spPr>
+          <a:xfrm>
+            <a:off x="3884613" y="8685213"/>
+            <a:ext cx="2971800" cy="458787"/>
+          </a:xfrm>
+          <a:prstGeom prst="rect">
+            <a:avLst/>
+          </a:prstGeom>
+        </p:spPr>
+        <p:txBody>
+          <a:bodyPr vert="horz" lIns="91440" tIns="45720" rIns="91440" bIns="45720" rtlCol="0" anchor="b"/>
+          <a:lstStyle>
+            <a:lvl1pPr algn="r">
+              <a:defRPr sz="1200"/>
+            </a:lvl1pPr>
+          </a:lstStyle>
+          <a:p>
+            <a:fld id="{7584B8D4-F1EA-4F03-8AC0-0C2D0F2654A0}" type="slidenum">
+              <a:rPr lang="fr-FR" smtClean="0"/>
+              <a:t>‹N°›</a:t>
+            </a:fld>
+            <a:endParaRPr lang="fr-FR"/>
+          </a:p>
+        </p:txBody>
+      </p:sp>
+    </p:spTree>
+    <p:extLst>
+      <p:ext uri="{BB962C8B-B14F-4D97-AF65-F5344CB8AC3E}">
+        <p14:creationId xmlns:p14="http://schemas.microsoft.com/office/powerpoint/2010/main" val="2048107116"/>
+      </p:ext>
+    </p:extLst>
+  </p:cSld>
+  <p:clrMap bg1="lt1" tx1="dk1" bg2="lt2" tx2="dk2" accent1="accent1" accent2="accent2" accent3="accent3" accent4="accent4" accent5="accent5" accent6="accent6" hlink="hlink" folHlink="folHlink"/>
+  <p:notesStyle>
+    <a:lvl1pPr marL="0" algn="l" defTabSz="914400" rtl="0" eaLnBrk="1" latinLnBrk="0" hangingPunct="1">
+      <a:defRPr sz="1200" kern="1200">
+        <a:solidFill>
+          <a:schemeClr val="tx1"/>
+        </a:solidFill>
+        <a:latin typeface="+mn-lt"/>
+        <a:ea typeface="+mn-ea"/>
+        <a:cs typeface="+mn-cs"/>
+      </a:defRPr>
+    </a:lvl1pPr>
+    <a:lvl2pPr marL="457200" algn="l" defTabSz="914400" rtl="0" eaLnBrk="1" latinLnBrk="0" hangingPunct="1">
+      <a:defRPr sz="1200" kern="1200">
+        <a:solidFill>
+          <a:schemeClr val="tx1"/>
+        </a:solidFill>
+        <a:latin typeface="+mn-lt"/>
+        <a:ea typeface="+mn-ea"/>
+        <a:cs typeface="+mn-cs"/>
+      </a:defRPr>
+    </a:lvl2pPr>
+    <a:lvl3pPr marL="914400" algn="l" defTabSz="914400" rtl="0" eaLnBrk="1" latinLnBrk="0" hangingPunct="1">
+      <a:defRPr sz="1200" kern="1200">
+        <a:solidFill>
+          <a:schemeClr val="tx1"/>
+        </a:solidFill>
+        <a:latin typeface="+mn-lt"/>
+        <a:ea typeface="+mn-ea"/>
+        <a:cs typeface="+mn-cs"/>
+      </a:defRPr>
+    </a:lvl3pPr>
+    <a:lvl4pPr marL="1371600" algn="l" defTabSz="914400" rtl="0" eaLnBrk="1" latinLnBrk="0" hangingPunct="1">
+      <a:defRPr sz="1200" kern="1200">
+        <a:solidFill>
+          <a:schemeClr val="tx1"/>
+        </a:solidFill>
+        <a:latin typeface="+mn-lt"/>
+        <a:ea typeface="+mn-ea"/>
+        <a:cs typeface="+mn-cs"/>
+      </a:defRPr>
+    </a:lvl4pPr>
+    <a:lvl5pPr marL="1828800" algn="l" defTabSz="914400" rtl="0" eaLnBrk="1" latinLnBrk="0" hangingPunct="1">
+      <a:defRPr sz="1200" kern="1200">
+        <a:solidFill>
+          <a:schemeClr val="tx1"/>
+        </a:solidFill>
+        <a:latin typeface="+mn-lt"/>
+        <a:ea typeface="+mn-ea"/>
+        <a:cs typeface="+mn-cs"/>
+      </a:defRPr>
+    </a:lvl5pPr>
+    <a:lvl6pPr marL="2286000" algn="l" defTabSz="914400" rtl="0" eaLnBrk="1" latinLnBrk="0" hangingPunct="1">
+      <a:defRPr sz="1200" kern="1200">
+        <a:solidFill>
+          <a:schemeClr val="tx1"/>
+        </a:solidFill>
+        <a:latin typeface="+mn-lt"/>
+        <a:ea typeface="+mn-ea"/>
+        <a:cs typeface="+mn-cs"/>
+      </a:defRPr>
+    </a:lvl6pPr>
+    <a:lvl7pPr marL="2743200" algn="l" defTabSz="914400" rtl="0" eaLnBrk="1" latinLnBrk="0" hangingPunct="1">
+      <a:defRPr sz="1200" kern="1200">
+        <a:solidFill>
+          <a:schemeClr val="tx1"/>
+        </a:solidFill>
+        <a:latin typeface="+mn-lt"/>
+        <a:ea typeface="+mn-ea"/>
+        <a:cs typeface="+mn-cs"/>
+      </a:defRPr>
+    </a:lvl7pPr>
+    <a:lvl8pPr marL="3200400" algn="l" defTabSz="914400" rtl="0" eaLnBrk="1" latinLnBrk="0" hangingPunct="1">
+      <a:defRPr sz="1200" kern="1200">
+        <a:solidFill>
+          <a:schemeClr val="tx1"/>
+        </a:solidFill>
+        <a:latin typeface="+mn-lt"/>
+        <a:ea typeface="+mn-ea"/>
+        <a:cs typeface="+mn-cs"/>
+      </a:defRPr>
+    </a:lvl8pPr>
+    <a:lvl9pPr marL="3657600" algn="l" defTabSz="914400" rtl="0" eaLnBrk="1" latinLnBrk="0" hangingPunct="1">
+      <a:defRPr sz="1200" kern="1200">
+        <a:solidFill>
+          <a:schemeClr val="tx1"/>
+        </a:solidFill>
+        <a:latin typeface="+mn-lt"/>
+        <a:ea typeface="+mn-ea"/>
+        <a:cs typeface="+mn-cs"/>
+      </a:defRPr>
+    </a:lvl9pPr>
+  </p:notesStyle>
+</p:notesMaster>
+</file>
+
+<file path=ppt/notesSlides/notesSlide1.xml><?xml version="1.0" encoding="utf-8"?>
+<p:notes xmlns:a="http://schemas.openxmlformats.org/drawingml/2006/main" xmlns:r="http://schemas.openxmlformats.org/officeDocument/2006/relationships" xmlns:p="http://schemas.openxmlformats.org/presentationml/2006/main">
+  <p:cSld>
+    <p:spTree>
+      <p:nvGrpSpPr>
+        <p:cNvPr id="1" name=""/>
+        <p:cNvGrpSpPr/>
+        <p:nvPr/>
+      </p:nvGrpSpPr>
+      <p:grpSpPr>
+        <a:xfrm>
+          <a:off x="0" y="0"/>
+          <a:ext cx="0" cy="0"/>
+          <a:chOff x="0" y="0"/>
+          <a:chExt cx="0" cy="0"/>
+        </a:xfrm>
+      </p:grpSpPr>
+      <p:sp>
+        <p:nvSpPr>
+          <p:cNvPr id="2" name="Espace réservé de l'image des diapositives 1"/>
+          <p:cNvSpPr>
+            <a:spLocks noGrp="1" noRot="1" noChangeAspect="1"/>
+          </p:cNvSpPr>
+          <p:nvPr>
+            <p:ph type="sldImg"/>
+          </p:nvPr>
+        </p:nvSpPr>
+        <p:spPr/>
+      </p:sp>
+      <p:sp>
+        <p:nvSpPr>
+          <p:cNvPr id="3" name="Espace réservé des commentaires 2"/>
+          <p:cNvSpPr>
+            <a:spLocks noGrp="1"/>
+          </p:cNvSpPr>
+          <p:nvPr>
+            <p:ph type="body" idx="1"/>
+          </p:nvPr>
+        </p:nvSpPr>
+        <p:spPr/>
+        <p:txBody>
+          <a:bodyPr/>
+          <a:lstStyle/>
+          <a:p>
+            <a:endParaRPr lang="fr-FR"/>
+          </a:p>
+        </p:txBody>
+      </p:sp>
+      <p:sp>
+        <p:nvSpPr>
+          <p:cNvPr id="4" name="Espace réservé du numéro de diapositive 3"/>
+          <p:cNvSpPr>
+            <a:spLocks noGrp="1"/>
+          </p:cNvSpPr>
+          <p:nvPr>
+            <p:ph type="sldNum" sz="quarter" idx="10"/>
+          </p:nvPr>
+        </p:nvSpPr>
+        <p:spPr/>
+        <p:txBody>
+          <a:bodyPr/>
+          <a:lstStyle/>
+          <a:p>
+            <a:fld id="{7584B8D4-F1EA-4F03-8AC0-0C2D0F2654A0}" type="slidenum">
+              <a:rPr lang="fr-FR" smtClean="0"/>
+              <a:t>2</a:t>
+            </a:fld>
+            <a:endParaRPr lang="fr-FR"/>
+          </a:p>
+        </p:txBody>
+      </p:sp>
+    </p:spTree>
+    <p:extLst>
+      <p:ext uri="{BB962C8B-B14F-4D97-AF65-F5344CB8AC3E}">
+        <p14:creationId xmlns:p14="http://schemas.microsoft.com/office/powerpoint/2010/main" val="1551713924"/>
+      </p:ext>
+    </p:extLst>
+  </p:cSld>
+  <p:clrMapOvr>
+    <a:masterClrMapping/>
+  </p:clrMapOvr>
+</p:notes>
+</file>
+
+<file path=ppt/notesSlides/notesSlide2.xml><?xml version="1.0" encoding="utf-8"?>
+<p:notes xmlns:a="http://schemas.openxmlformats.org/drawingml/2006/main" xmlns:r="http://schemas.openxmlformats.org/officeDocument/2006/relationships" xmlns:p="http://schemas.openxmlformats.org/presentationml/2006/main">
+  <p:cSld>
+    <p:spTree>
+      <p:nvGrpSpPr>
+        <p:cNvPr id="1" name=""/>
+        <p:cNvGrpSpPr/>
+        <p:nvPr/>
+      </p:nvGrpSpPr>
+      <p:grpSpPr>
+        <a:xfrm>
+          <a:off x="0" y="0"/>
+          <a:ext cx="0" cy="0"/>
+          <a:chOff x="0" y="0"/>
+          <a:chExt cx="0" cy="0"/>
+        </a:xfrm>
+      </p:grpSpPr>
+      <p:sp>
+        <p:nvSpPr>
+          <p:cNvPr id="2" name="Espace réservé de l'image des diapositives 1"/>
+          <p:cNvSpPr>
+            <a:spLocks noGrp="1" noRot="1" noChangeAspect="1"/>
+          </p:cNvSpPr>
+          <p:nvPr>
+            <p:ph type="sldImg"/>
+          </p:nvPr>
+        </p:nvSpPr>
+        <p:spPr/>
+      </p:sp>
+      <p:sp>
+        <p:nvSpPr>
+          <p:cNvPr id="3" name="Espace réservé des commentaires 2"/>
+          <p:cNvSpPr>
+            <a:spLocks noGrp="1"/>
+          </p:cNvSpPr>
+          <p:nvPr>
+            <p:ph type="body" idx="1"/>
+          </p:nvPr>
+        </p:nvSpPr>
+        <p:spPr/>
+        <p:txBody>
+          <a:bodyPr/>
+          <a:lstStyle/>
+          <a:p>
+            <a:endParaRPr lang="fr-FR"/>
+          </a:p>
+        </p:txBody>
+      </p:sp>
+      <p:sp>
+        <p:nvSpPr>
+          <p:cNvPr id="4" name="Espace réservé du numéro de diapositive 3"/>
+          <p:cNvSpPr>
+            <a:spLocks noGrp="1"/>
+          </p:cNvSpPr>
+          <p:nvPr>
+            <p:ph type="sldNum" sz="quarter" idx="10"/>
+          </p:nvPr>
+        </p:nvSpPr>
+        <p:spPr/>
+        <p:txBody>
+          <a:bodyPr/>
+          <a:lstStyle/>
+          <a:p>
+            <a:fld id="{7584B8D4-F1EA-4F03-8AC0-0C2D0F2654A0}" type="slidenum">
+              <a:rPr lang="fr-FR" smtClean="0"/>
+              <a:t>5</a:t>
+            </a:fld>
+            <a:endParaRPr lang="fr-FR"/>
+          </a:p>
+        </p:txBody>
+      </p:sp>
+    </p:spTree>
+    <p:extLst>
+      <p:ext uri="{BB962C8B-B14F-4D97-AF65-F5344CB8AC3E}">
+        <p14:creationId xmlns:p14="http://schemas.microsoft.com/office/powerpoint/2010/main" val="2216664446"/>
+      </p:ext>
+    </p:extLst>
+  </p:cSld>
+  <p:clrMapOvr>
+    <a:masterClrMapping/>
+  </p:clrMapOvr>
+</p:notes>
 </file>
 
 <file path=ppt/slideLayouts/slideLayout1.xml><?xml version="1.0" encoding="utf-8"?>
@@ -346,9 +883,9 @@
           <a:bodyPr/>
           <a:lstStyle/>
           <a:p>
-            <a:fld id="{A17C2BF5-145A-46A2-B090-E71FF20CBBFE}" type="datetimeFigureOut">
+            <a:fld id="{5391C449-415B-4A84-AAE2-F6C5C747FFC7}" type="datetime8">
               <a:rPr lang="ar-DZ" smtClean="0"/>
-              <a:t>03-05-1442</a:t>
+              <a:t>18 كانون الأول، 20</a:t>
             </a:fld>
             <a:endParaRPr lang="ar-DZ"/>
           </a:p>
@@ -371,7 +908,7 @@
           <a:p>
             <a:fld id="{1FE1ED11-BF9B-4B71-8AA5-D0CE5EEBCA45}" type="slidenum">
               <a:rPr lang="ar-DZ" smtClean="0"/>
-              <a:t>‹#›</a:t>
+              <a:t>‹N°›</a:t>
             </a:fld>
             <a:endParaRPr lang="ar-DZ"/>
           </a:p>
@@ -516,9 +1053,9 @@
           <a:bodyPr/>
           <a:lstStyle/>
           <a:p>
-            <a:fld id="{A17C2BF5-145A-46A2-B090-E71FF20CBBFE}" type="datetimeFigureOut">
+            <a:fld id="{2528E3B8-69D5-46A3-A983-91D0F01D9E8F}" type="datetime8">
               <a:rPr lang="ar-DZ" smtClean="0"/>
-              <a:t>03-05-1442</a:t>
+              <a:t>18 كانون الأول، 20</a:t>
             </a:fld>
             <a:endParaRPr lang="ar-DZ"/>
           </a:p>
@@ -560,7 +1097,7 @@
           <a:p>
             <a:fld id="{1FE1ED11-BF9B-4B71-8AA5-D0CE5EEBCA45}" type="slidenum">
               <a:rPr lang="ar-DZ" smtClean="0"/>
-              <a:t>‹#›</a:t>
+              <a:t>‹N°›</a:t>
             </a:fld>
             <a:endParaRPr lang="ar-DZ"/>
           </a:p>
@@ -691,9 +1228,9 @@
           <a:bodyPr/>
           <a:lstStyle/>
           <a:p>
-            <a:fld id="{A17C2BF5-145A-46A2-B090-E71FF20CBBFE}" type="datetimeFigureOut">
+            <a:fld id="{B70D560B-5D7B-49F7-B985-C762D47BE9E9}" type="datetime8">
               <a:rPr lang="ar-DZ" smtClean="0"/>
-              <a:t>03-05-1442</a:t>
+              <a:t>18 كانون الأول، 20</a:t>
             </a:fld>
             <a:endParaRPr lang="ar-DZ"/>
           </a:p>
@@ -735,7 +1272,7 @@
           <a:p>
             <a:fld id="{1FE1ED11-BF9B-4B71-8AA5-D0CE5EEBCA45}" type="slidenum">
               <a:rPr lang="ar-DZ" smtClean="0"/>
-              <a:t>‹#›</a:t>
+              <a:t>‹N°›</a:t>
             </a:fld>
             <a:endParaRPr lang="ar-DZ"/>
           </a:p>
@@ -856,9 +1393,9 @@
           <a:bodyPr/>
           <a:lstStyle/>
           <a:p>
-            <a:fld id="{A17C2BF5-145A-46A2-B090-E71FF20CBBFE}" type="datetimeFigureOut">
+            <a:fld id="{905081FC-BDE5-4775-BBC0-2DED3DF1F6B7}" type="datetime8">
               <a:rPr lang="ar-DZ" smtClean="0"/>
-              <a:t>03-05-1442</a:t>
+              <a:t>18 كانون الأول، 20</a:t>
             </a:fld>
             <a:endParaRPr lang="ar-DZ"/>
           </a:p>
@@ -881,7 +1418,7 @@
           <a:p>
             <a:fld id="{1FE1ED11-BF9B-4B71-8AA5-D0CE5EEBCA45}" type="slidenum">
               <a:rPr lang="ar-DZ" smtClean="0"/>
-              <a:t>‹#›</a:t>
+              <a:t>‹N°›</a:t>
             </a:fld>
             <a:endParaRPr lang="ar-DZ"/>
           </a:p>
@@ -1113,9 +1650,9 @@
           <a:bodyPr/>
           <a:lstStyle/>
           <a:p>
-            <a:fld id="{A17C2BF5-145A-46A2-B090-E71FF20CBBFE}" type="datetimeFigureOut">
+            <a:fld id="{83AB8348-2CDB-42F8-BCD1-C38D399D5426}" type="datetime8">
               <a:rPr lang="ar-DZ" smtClean="0"/>
-              <a:t>03-05-1442</a:t>
+              <a:t>18 كانون الأول، 20</a:t>
             </a:fld>
             <a:endParaRPr lang="ar-DZ"/>
           </a:p>
@@ -1138,7 +1675,7 @@
           <a:p>
             <a:fld id="{1FE1ED11-BF9B-4B71-8AA5-D0CE5EEBCA45}" type="slidenum">
               <a:rPr lang="ar-DZ" smtClean="0"/>
-              <a:t>‹#›</a:t>
+              <a:t>‹N°›</a:t>
             </a:fld>
             <a:endParaRPr lang="ar-DZ"/>
           </a:p>
@@ -1253,9 +1790,9 @@
           <a:bodyPr/>
           <a:lstStyle/>
           <a:p>
-            <a:fld id="{A17C2BF5-145A-46A2-B090-E71FF20CBBFE}" type="datetimeFigureOut">
+            <a:fld id="{748C7462-8E2D-45AB-8FE2-75EF7C1A7FB1}" type="datetime8">
               <a:rPr lang="ar-DZ" smtClean="0"/>
-              <a:t>03-05-1442</a:t>
+              <a:t>18 كانون الأول، 20</a:t>
             </a:fld>
             <a:endParaRPr lang="ar-DZ"/>
           </a:p>
@@ -1278,7 +1815,7 @@
           <a:p>
             <a:fld id="{1FE1ED11-BF9B-4B71-8AA5-D0CE5EEBCA45}" type="slidenum">
               <a:rPr lang="ar-DZ" smtClean="0"/>
-              <a:t>‹#›</a:t>
+              <a:t>‹N°›</a:t>
             </a:fld>
             <a:endParaRPr lang="ar-DZ"/>
           </a:p>
@@ -1903,9 +2440,9 @@
           <a:bodyPr/>
           <a:lstStyle/>
           <a:p>
-            <a:fld id="{A17C2BF5-145A-46A2-B090-E71FF20CBBFE}" type="datetimeFigureOut">
+            <a:fld id="{13C1BC39-C018-400A-9043-A116080A0ADA}" type="datetime8">
               <a:rPr lang="ar-DZ" smtClean="0"/>
-              <a:t>03-05-1442</a:t>
+              <a:t>18 كانون الأول، 20</a:t>
             </a:fld>
             <a:endParaRPr lang="ar-DZ"/>
           </a:p>
@@ -1928,7 +2465,7 @@
           <a:p>
             <a:fld id="{1FE1ED11-BF9B-4B71-8AA5-D0CE5EEBCA45}" type="slidenum">
               <a:rPr lang="ar-DZ" smtClean="0"/>
-              <a:t>‹#›</a:t>
+              <a:t>‹N°›</a:t>
             </a:fld>
             <a:endParaRPr lang="ar-DZ"/>
           </a:p>
@@ -2016,9 +2553,9 @@
           <a:bodyPr/>
           <a:lstStyle/>
           <a:p>
-            <a:fld id="{A17C2BF5-145A-46A2-B090-E71FF20CBBFE}" type="datetimeFigureOut">
+            <a:fld id="{16FB47FB-F19A-4C82-AC8B-F277CA552A09}" type="datetime8">
               <a:rPr lang="ar-DZ" smtClean="0"/>
-              <a:t>03-05-1442</a:t>
+              <a:t>18 كانون الأول، 20</a:t>
             </a:fld>
             <a:endParaRPr lang="ar-DZ"/>
           </a:p>
@@ -2041,7 +2578,7 @@
           <a:p>
             <a:fld id="{1FE1ED11-BF9B-4B71-8AA5-D0CE5EEBCA45}" type="slidenum">
               <a:rPr lang="ar-DZ" smtClean="0"/>
-              <a:t>‹#›</a:t>
+              <a:t>‹N°›</a:t>
             </a:fld>
             <a:endParaRPr lang="ar-DZ"/>
           </a:p>
@@ -2106,9 +2643,9 @@
           <a:bodyPr/>
           <a:lstStyle/>
           <a:p>
-            <a:fld id="{A17C2BF5-145A-46A2-B090-E71FF20CBBFE}" type="datetimeFigureOut">
+            <a:fld id="{EF0F0DAC-2C1D-4E13-BCDE-CA526664C4DE}" type="datetime8">
               <a:rPr lang="ar-DZ" smtClean="0"/>
-              <a:t>03-05-1442</a:t>
+              <a:t>18 كانون الأول، 20</a:t>
             </a:fld>
             <a:endParaRPr lang="ar-DZ"/>
           </a:p>
@@ -2131,7 +2668,7 @@
           <a:p>
             <a:fld id="{1FE1ED11-BF9B-4B71-8AA5-D0CE5EEBCA45}" type="slidenum">
               <a:rPr lang="ar-DZ" smtClean="0"/>
-              <a:t>‹#›</a:t>
+              <a:t>‹N°›</a:t>
             </a:fld>
             <a:endParaRPr lang="ar-DZ"/>
           </a:p>
@@ -2396,9 +2933,9 @@
           <a:bodyPr/>
           <a:lstStyle/>
           <a:p>
-            <a:fld id="{A17C2BF5-145A-46A2-B090-E71FF20CBBFE}" type="datetimeFigureOut">
+            <a:fld id="{01BA176B-267A-4815-8C21-97F2F54826D4}" type="datetime8">
               <a:rPr lang="ar-DZ" smtClean="0"/>
-              <a:t>03-05-1442</a:t>
+              <a:t>18 كانون الأول، 20</a:t>
             </a:fld>
             <a:endParaRPr lang="ar-DZ"/>
           </a:p>
@@ -2421,7 +2958,7 @@
           <a:p>
             <a:fld id="{1FE1ED11-BF9B-4B71-8AA5-D0CE5EEBCA45}" type="slidenum">
               <a:rPr lang="ar-DZ" smtClean="0"/>
-              <a:t>‹#›</a:t>
+              <a:t>‹N°›</a:t>
             </a:fld>
             <a:endParaRPr lang="ar-DZ"/>
           </a:p>
@@ -2719,9 +3256,9 @@
           <a:bodyPr/>
           <a:lstStyle/>
           <a:p>
-            <a:fld id="{A17C2BF5-145A-46A2-B090-E71FF20CBBFE}" type="datetimeFigureOut">
+            <a:fld id="{4ED48F6F-3FC1-4052-AB98-220E53E57048}" type="datetime8">
               <a:rPr lang="ar-DZ" smtClean="0"/>
-              <a:t>03-05-1442</a:t>
+              <a:t>18 كانون الأول، 20</a:t>
             </a:fld>
             <a:endParaRPr lang="ar-DZ"/>
           </a:p>
@@ -2744,7 +3281,7 @@
           <a:p>
             <a:fld id="{1FE1ED11-BF9B-4B71-8AA5-D0CE5EEBCA45}" type="slidenum">
               <a:rPr lang="ar-DZ" smtClean="0"/>
-              <a:t>‹#›</a:t>
+              <a:t>‹N°›</a:t>
             </a:fld>
             <a:endParaRPr lang="ar-DZ"/>
           </a:p>
@@ -3176,9 +3713,9 @@
             </a:lvl1pPr>
           </a:lstStyle>
           <a:p>
-            <a:fld id="{A17C2BF5-145A-46A2-B090-E71FF20CBBFE}" type="datetimeFigureOut">
+            <a:fld id="{5B58DE1F-5D6C-4D08-98ED-A9F315189CC4}" type="datetime8">
               <a:rPr lang="ar-DZ" smtClean="0"/>
-              <a:t>03-05-1442</a:t>
+              <a:t>18 كانون الأول، 20</a:t>
             </a:fld>
             <a:endParaRPr lang="ar-DZ"/>
           </a:p>
@@ -3258,7 +3795,7 @@
           <a:p>
             <a:fld id="{1FE1ED11-BF9B-4B71-8AA5-D0CE5EEBCA45}" type="slidenum">
               <a:rPr lang="ar-DZ" smtClean="0"/>
-              <a:t>‹#›</a:t>
+              <a:t>‹N°›</a:t>
             </a:fld>
             <a:endParaRPr lang="ar-DZ"/>
           </a:p>
@@ -3280,6 +3817,7 @@
     <p:sldLayoutId id="2147483874" r:id="rId10"/>
     <p:sldLayoutId id="2147483875" r:id="rId11"/>
   </p:sldLayoutIdLst>
+  <p:hf hdr="0" ftr="0" dt="0"/>
   <p:txStyles>
     <p:titleStyle>
       <a:lvl1pPr algn="l" defTabSz="914400" rtl="1" eaLnBrk="1" latinLnBrk="0" hangingPunct="1">
@@ -3742,15 +4280,15 @@
           <a:p>
             <a:r>
               <a:rPr lang="fr-FR" dirty="0" smtClean="0"/>
-              <a:t> AUTHOR : </a:t>
-            </a:r>
-            <a:r>
-              <a:rPr lang="fr-FR" dirty="0" err="1" smtClean="0"/>
-              <a:t>Hind</a:t>
-            </a:r>
-            <a:r>
-              <a:rPr lang="fr-FR" dirty="0" smtClean="0"/>
-              <a:t> BENSAFI ; </a:t>
+              <a:t> </a:t>
+            </a:r>
+            <a:r>
+              <a:rPr lang="fr-FR" dirty="0" smtClean="0"/>
+              <a:t>By </a:t>
+            </a:r>
+            <a:r>
+              <a:rPr lang="fr-FR" dirty="0" smtClean="0"/>
+              <a:t>: Hind BENSAFI ; </a:t>
             </a:r>
             <a:endParaRPr lang="ar-DZ" dirty="0"/>
           </a:p>
@@ -3887,7 +4425,7 @@
           </p:nvPr>
         </p:nvPicPr>
         <p:blipFill>
-          <a:blip r:embed="rId2" cstate="print">
+          <a:blip r:embed="rId3" cstate="print">
             <a:extLst>
               <a:ext uri="{28A0092B-C50C-407E-A947-70E740481C1C}">
                 <a14:useLocalDpi xmlns:a14="http://schemas.microsoft.com/office/drawing/2010/main" val="0"/>
@@ -4276,7 +4814,7 @@
         </p:nvCxnSpPr>
         <p:spPr>
           <a:xfrm>
-            <a:off x="2017278" y="1285913"/>
+            <a:off x="1995985" y="908720"/>
             <a:ext cx="5363034" cy="13375"/>
           </a:xfrm>
           <a:prstGeom prst="straightConnector1">
@@ -4310,7 +4848,7 @@
           <p:nvPr/>
         </p:nvPicPr>
         <p:blipFill>
-          <a:blip r:embed="rId2" cstate="print">
+          <a:blip r:embed="rId3" cstate="print">
             <a:extLst>
               <a:ext uri="{28A0092B-C50C-407E-A947-70E740481C1C}">
                 <a14:useLocalDpi xmlns:a14="http://schemas.microsoft.com/office/drawing/2010/main" val="0"/>
@@ -4351,7 +4889,7 @@
           <p:nvPr/>
         </p:nvPicPr>
         <p:blipFill>
-          <a:blip r:embed="rId3" cstate="print">
+          <a:blip r:embed="rId4" cstate="print">
             <a:extLst>
               <a:ext uri="{28A0092B-C50C-407E-A947-70E740481C1C}">
                 <a14:useLocalDpi xmlns:a14="http://schemas.microsoft.com/office/drawing/2010/main" val="0"/>
@@ -4762,7 +5300,7 @@
         </p:nvSpPr>
         <p:spPr>
           <a:xfrm>
-            <a:off x="3275431" y="1315609"/>
+            <a:off x="3414139" y="569073"/>
             <a:ext cx="2651368" cy="307777"/>
           </a:xfrm>
           <a:prstGeom prst="rect">
@@ -4791,8 +5329,8 @@
         </p:nvCxnSpPr>
         <p:spPr>
           <a:xfrm flipH="1" flipV="1">
-            <a:off x="1920538" y="950702"/>
-            <a:ext cx="5459774" cy="24509"/>
+            <a:off x="1995985" y="1196753"/>
+            <a:ext cx="5363034" cy="24508"/>
           </a:xfrm>
           <a:prstGeom prst="straightConnector1">
             <a:avLst/>
@@ -4824,7 +5362,7 @@
         </p:nvSpPr>
         <p:spPr>
           <a:xfrm>
-            <a:off x="2654365" y="562476"/>
+            <a:off x="2802465" y="1298835"/>
             <a:ext cx="3874715" cy="307777"/>
           </a:xfrm>
           <a:prstGeom prst="rect">
@@ -5623,7 +6161,7 @@
           <p:nvPr/>
         </p:nvPicPr>
         <p:blipFill>
-          <a:blip r:embed="rId4" cstate="print">
+          <a:blip r:embed="rId5" cstate="print">
             <a:extLst>
               <a:ext uri="{28A0092B-C50C-407E-A947-70E740481C1C}">
                 <a14:useLocalDpi xmlns:a14="http://schemas.microsoft.com/office/drawing/2010/main" val="0"/>
@@ -5644,6 +6182,34 @@
           </a:prstGeom>
         </p:spPr>
       </p:pic>
+      <p:sp>
+        <p:nvSpPr>
+          <p:cNvPr id="8" name="Espace réservé du numéro de diapositive 7"/>
+          <p:cNvSpPr>
+            <a:spLocks noGrp="1"/>
+          </p:cNvSpPr>
+          <p:nvPr>
+            <p:ph type="sldNum" sz="quarter" idx="11"/>
+          </p:nvPr>
+        </p:nvSpPr>
+        <p:spPr>
+          <a:xfrm>
+            <a:off x="8775104" y="6510312"/>
+            <a:ext cx="368896" cy="332656"/>
+          </a:xfrm>
+        </p:spPr>
+        <p:txBody>
+          <a:bodyPr/>
+          <a:lstStyle/>
+          <a:p>
+            <a:fld id="{1FE1ED11-BF9B-4B71-8AA5-D0CE5EEBCA45}" type="slidenum">
+              <a:rPr lang="ar-DZ" smtClean="0"/>
+              <a:t>2</a:t>
+            </a:fld>
+            <a:endParaRPr lang="ar-DZ" dirty="0"/>
+          </a:p>
+        </p:txBody>
+      </p:sp>
     </p:spTree>
     <p:extLst>
       <p:ext uri="{BB962C8B-B14F-4D97-AF65-F5344CB8AC3E}">
@@ -5657,9 +6223,894 @@
   <p:timing>
     <p:tnLst>
       <p:par>
-        <p:cTn id="1" dur="indefinite" restart="never" nodeType="tmRoot"/>
+        <p:cTn id="1" dur="indefinite" restart="never" nodeType="tmRoot">
+          <p:childTnLst>
+            <p:seq concurrent="1" nextAc="seek">
+              <p:cTn id="2" dur="indefinite" nodeType="mainSeq">
+                <p:childTnLst>
+                  <p:par>
+                    <p:cTn id="3" fill="hold">
+                      <p:stCondLst>
+                        <p:cond delay="indefinite"/>
+                      </p:stCondLst>
+                      <p:childTnLst>
+                        <p:par>
+                          <p:cTn id="4" fill="hold">
+                            <p:stCondLst>
+                              <p:cond delay="0"/>
+                            </p:stCondLst>
+                            <p:childTnLst>
+                              <p:par>
+                                <p:cTn id="5" presetID="1" presetClass="entr" presetSubtype="0" fill="hold" nodeType="clickEffect">
+                                  <p:stCondLst>
+                                    <p:cond delay="0"/>
+                                  </p:stCondLst>
+                                  <p:childTnLst>
+                                    <p:set>
+                                      <p:cBhvr>
+                                        <p:cTn id="6" dur="1" fill="hold">
+                                          <p:stCondLst>
+                                            <p:cond delay="0"/>
+                                          </p:stCondLst>
+                                        </p:cTn>
+                                        <p:tgtEl>
+                                          <p:spTgt spid="1026"/>
+                                        </p:tgtEl>
+                                        <p:attrNameLst>
+                                          <p:attrName>style.visibility</p:attrName>
+                                        </p:attrNameLst>
+                                      </p:cBhvr>
+                                      <p:to>
+                                        <p:strVal val="visible"/>
+                                      </p:to>
+                                    </p:set>
+                                  </p:childTnLst>
+                                </p:cTn>
+                              </p:par>
+                              <p:par>
+                                <p:cTn id="7" presetID="1" presetClass="entr" presetSubtype="0" fill="hold" grpId="0" nodeType="withEffect">
+                                  <p:stCondLst>
+                                    <p:cond delay="0"/>
+                                  </p:stCondLst>
+                                  <p:childTnLst>
+                                    <p:set>
+                                      <p:cBhvr>
+                                        <p:cTn id="8" dur="1" fill="hold">
+                                          <p:stCondLst>
+                                            <p:cond delay="0"/>
+                                          </p:stCondLst>
+                                        </p:cTn>
+                                        <p:tgtEl>
+                                          <p:spTgt spid="6"/>
+                                        </p:tgtEl>
+                                        <p:attrNameLst>
+                                          <p:attrName>style.visibility</p:attrName>
+                                        </p:attrNameLst>
+                                      </p:cBhvr>
+                                      <p:to>
+                                        <p:strVal val="visible"/>
+                                      </p:to>
+                                    </p:set>
+                                  </p:childTnLst>
+                                </p:cTn>
+                              </p:par>
+                              <p:par>
+                                <p:cTn id="9" presetID="1" presetClass="entr" presetSubtype="0" fill="hold" nodeType="withEffect">
+                                  <p:stCondLst>
+                                    <p:cond delay="0"/>
+                                  </p:stCondLst>
+                                  <p:childTnLst>
+                                    <p:set>
+                                      <p:cBhvr>
+                                        <p:cTn id="10" dur="1" fill="hold">
+                                          <p:stCondLst>
+                                            <p:cond delay="0"/>
+                                          </p:stCondLst>
+                                        </p:cTn>
+                                        <p:tgtEl>
+                                          <p:spTgt spid="10"/>
+                                        </p:tgtEl>
+                                        <p:attrNameLst>
+                                          <p:attrName>style.visibility</p:attrName>
+                                        </p:attrNameLst>
+                                      </p:cBhvr>
+                                      <p:to>
+                                        <p:strVal val="visible"/>
+                                      </p:to>
+                                    </p:set>
+                                  </p:childTnLst>
+                                </p:cTn>
+                              </p:par>
+                              <p:par>
+                                <p:cTn id="11" presetID="1" presetClass="entr" presetSubtype="0" fill="hold" grpId="0" nodeType="withEffect">
+                                  <p:stCondLst>
+                                    <p:cond delay="0"/>
+                                  </p:stCondLst>
+                                  <p:childTnLst>
+                                    <p:set>
+                                      <p:cBhvr>
+                                        <p:cTn id="12" dur="1" fill="hold">
+                                          <p:stCondLst>
+                                            <p:cond delay="0"/>
+                                          </p:stCondLst>
+                                        </p:cTn>
+                                        <p:tgtEl>
+                                          <p:spTgt spid="1027"/>
+                                        </p:tgtEl>
+                                        <p:attrNameLst>
+                                          <p:attrName>style.visibility</p:attrName>
+                                        </p:attrNameLst>
+                                      </p:cBhvr>
+                                      <p:to>
+                                        <p:strVal val="visible"/>
+                                      </p:to>
+                                    </p:set>
+                                  </p:childTnLst>
+                                </p:cTn>
+                              </p:par>
+                            </p:childTnLst>
+                          </p:cTn>
+                        </p:par>
+                      </p:childTnLst>
+                    </p:cTn>
+                  </p:par>
+                  <p:par>
+                    <p:cTn id="13" fill="hold">
+                      <p:stCondLst>
+                        <p:cond delay="indefinite"/>
+                      </p:stCondLst>
+                      <p:childTnLst>
+                        <p:par>
+                          <p:cTn id="14" fill="hold">
+                            <p:stCondLst>
+                              <p:cond delay="0"/>
+                            </p:stCondLst>
+                            <p:childTnLst>
+                              <p:par>
+                                <p:cTn id="15" presetID="1" presetClass="entr" presetSubtype="0" fill="hold" grpId="0" nodeType="clickEffect">
+                                  <p:stCondLst>
+                                    <p:cond delay="0"/>
+                                  </p:stCondLst>
+                                  <p:childTnLst>
+                                    <p:set>
+                                      <p:cBhvr>
+                                        <p:cTn id="16" dur="1" fill="hold">
+                                          <p:stCondLst>
+                                            <p:cond delay="0"/>
+                                          </p:stCondLst>
+                                        </p:cTn>
+                                        <p:tgtEl>
+                                          <p:spTgt spid="17"/>
+                                        </p:tgtEl>
+                                        <p:attrNameLst>
+                                          <p:attrName>style.visibility</p:attrName>
+                                        </p:attrNameLst>
+                                      </p:cBhvr>
+                                      <p:to>
+                                        <p:strVal val="visible"/>
+                                      </p:to>
+                                    </p:set>
+                                  </p:childTnLst>
+                                </p:cTn>
+                              </p:par>
+                              <p:par>
+                                <p:cTn id="17" presetID="1" presetClass="entr" presetSubtype="0" fill="hold" nodeType="withEffect">
+                                  <p:stCondLst>
+                                    <p:cond delay="0"/>
+                                  </p:stCondLst>
+                                  <p:childTnLst>
+                                    <p:set>
+                                      <p:cBhvr>
+                                        <p:cTn id="18" dur="1" fill="hold">
+                                          <p:stCondLst>
+                                            <p:cond delay="0"/>
+                                          </p:stCondLst>
+                                        </p:cTn>
+                                        <p:tgtEl>
+                                          <p:spTgt spid="7"/>
+                                        </p:tgtEl>
+                                        <p:attrNameLst>
+                                          <p:attrName>style.visibility</p:attrName>
+                                        </p:attrNameLst>
+                                      </p:cBhvr>
+                                      <p:to>
+                                        <p:strVal val="visible"/>
+                                      </p:to>
+                                    </p:set>
+                                  </p:childTnLst>
+                                </p:cTn>
+                              </p:par>
+                            </p:childTnLst>
+                          </p:cTn>
+                        </p:par>
+                      </p:childTnLst>
+                    </p:cTn>
+                  </p:par>
+                  <p:par>
+                    <p:cTn id="19" fill="hold">
+                      <p:stCondLst>
+                        <p:cond delay="indefinite"/>
+                      </p:stCondLst>
+                      <p:childTnLst>
+                        <p:par>
+                          <p:cTn id="20" fill="hold">
+                            <p:stCondLst>
+                              <p:cond delay="0"/>
+                            </p:stCondLst>
+                            <p:childTnLst>
+                              <p:par>
+                                <p:cTn id="21" presetID="1" presetClass="entr" presetSubtype="0" fill="hold" nodeType="clickEffect">
+                                  <p:stCondLst>
+                                    <p:cond delay="0"/>
+                                  </p:stCondLst>
+                                  <p:childTnLst>
+                                    <p:set>
+                                      <p:cBhvr>
+                                        <p:cTn id="22" dur="1" fill="hold">
+                                          <p:stCondLst>
+                                            <p:cond delay="0"/>
+                                          </p:stCondLst>
+                                        </p:cTn>
+                                        <p:tgtEl>
+                                          <p:spTgt spid="19"/>
+                                        </p:tgtEl>
+                                        <p:attrNameLst>
+                                          <p:attrName>style.visibility</p:attrName>
+                                        </p:attrNameLst>
+                                      </p:cBhvr>
+                                      <p:to>
+                                        <p:strVal val="visible"/>
+                                      </p:to>
+                                    </p:set>
+                                  </p:childTnLst>
+                                </p:cTn>
+                              </p:par>
+                              <p:par>
+                                <p:cTn id="23" presetID="1" presetClass="entr" presetSubtype="0" fill="hold" grpId="0" nodeType="withEffect">
+                                  <p:stCondLst>
+                                    <p:cond delay="0"/>
+                                  </p:stCondLst>
+                                  <p:childTnLst>
+                                    <p:set>
+                                      <p:cBhvr>
+                                        <p:cTn id="24" dur="1" fill="hold">
+                                          <p:stCondLst>
+                                            <p:cond delay="0"/>
+                                          </p:stCondLst>
+                                        </p:cTn>
+                                        <p:tgtEl>
+                                          <p:spTgt spid="20"/>
+                                        </p:tgtEl>
+                                        <p:attrNameLst>
+                                          <p:attrName>style.visibility</p:attrName>
+                                        </p:attrNameLst>
+                                      </p:cBhvr>
+                                      <p:to>
+                                        <p:strVal val="visible"/>
+                                      </p:to>
+                                    </p:set>
+                                  </p:childTnLst>
+                                </p:cTn>
+                              </p:par>
+                            </p:childTnLst>
+                          </p:cTn>
+                        </p:par>
+                      </p:childTnLst>
+                    </p:cTn>
+                  </p:par>
+                  <p:par>
+                    <p:cTn id="25" fill="hold">
+                      <p:stCondLst>
+                        <p:cond delay="indefinite"/>
+                      </p:stCondLst>
+                      <p:childTnLst>
+                        <p:par>
+                          <p:cTn id="26" fill="hold">
+                            <p:stCondLst>
+                              <p:cond delay="0"/>
+                            </p:stCondLst>
+                            <p:childTnLst>
+                              <p:par>
+                                <p:cTn id="27" presetID="1" presetClass="entr" presetSubtype="0" fill="hold" grpId="0" nodeType="clickEffect">
+                                  <p:stCondLst>
+                                    <p:cond delay="0"/>
+                                  </p:stCondLst>
+                                  <p:childTnLst>
+                                    <p:set>
+                                      <p:cBhvr>
+                                        <p:cTn id="28" dur="1" fill="hold">
+                                          <p:stCondLst>
+                                            <p:cond delay="0"/>
+                                          </p:stCondLst>
+                                        </p:cTn>
+                                        <p:tgtEl>
+                                          <p:spTgt spid="24"/>
+                                        </p:tgtEl>
+                                        <p:attrNameLst>
+                                          <p:attrName>style.visibility</p:attrName>
+                                        </p:attrNameLst>
+                                      </p:cBhvr>
+                                      <p:to>
+                                        <p:strVal val="visible"/>
+                                      </p:to>
+                                    </p:set>
+                                  </p:childTnLst>
+                                </p:cTn>
+                              </p:par>
+                            </p:childTnLst>
+                          </p:cTn>
+                        </p:par>
+                      </p:childTnLst>
+                    </p:cTn>
+                  </p:par>
+                  <p:par>
+                    <p:cTn id="29" fill="hold">
+                      <p:stCondLst>
+                        <p:cond delay="indefinite"/>
+                      </p:stCondLst>
+                      <p:childTnLst>
+                        <p:par>
+                          <p:cTn id="30" fill="hold">
+                            <p:stCondLst>
+                              <p:cond delay="0"/>
+                            </p:stCondLst>
+                            <p:childTnLst>
+                              <p:par>
+                                <p:cTn id="31" presetID="1" presetClass="entr" presetSubtype="0" fill="hold" nodeType="clickEffect">
+                                  <p:stCondLst>
+                                    <p:cond delay="0"/>
+                                  </p:stCondLst>
+                                  <p:childTnLst>
+                                    <p:set>
+                                      <p:cBhvr>
+                                        <p:cTn id="32" dur="1" fill="hold">
+                                          <p:stCondLst>
+                                            <p:cond delay="0"/>
+                                          </p:stCondLst>
+                                        </p:cTn>
+                                        <p:tgtEl>
+                                          <p:spTgt spid="9"/>
+                                        </p:tgtEl>
+                                        <p:attrNameLst>
+                                          <p:attrName>style.visibility</p:attrName>
+                                        </p:attrNameLst>
+                                      </p:cBhvr>
+                                      <p:to>
+                                        <p:strVal val="visible"/>
+                                      </p:to>
+                                    </p:set>
+                                  </p:childTnLst>
+                                </p:cTn>
+                              </p:par>
+                              <p:par>
+                                <p:cTn id="33" presetID="1" presetClass="entr" presetSubtype="0" fill="hold" grpId="0" nodeType="withEffect">
+                                  <p:stCondLst>
+                                    <p:cond delay="0"/>
+                                  </p:stCondLst>
+                                  <p:childTnLst>
+                                    <p:set>
+                                      <p:cBhvr>
+                                        <p:cTn id="34" dur="1" fill="hold">
+                                          <p:stCondLst>
+                                            <p:cond delay="0"/>
+                                          </p:stCondLst>
+                                        </p:cTn>
+                                        <p:tgtEl>
+                                          <p:spTgt spid="25"/>
+                                        </p:tgtEl>
+                                        <p:attrNameLst>
+                                          <p:attrName>style.visibility</p:attrName>
+                                        </p:attrNameLst>
+                                      </p:cBhvr>
+                                      <p:to>
+                                        <p:strVal val="visible"/>
+                                      </p:to>
+                                    </p:set>
+                                  </p:childTnLst>
+                                </p:cTn>
+                              </p:par>
+                              <p:par>
+                                <p:cTn id="35" presetID="1" presetClass="entr" presetSubtype="0" fill="hold" grpId="0" nodeType="withEffect">
+                                  <p:stCondLst>
+                                    <p:cond delay="0"/>
+                                  </p:stCondLst>
+                                  <p:childTnLst>
+                                    <p:set>
+                                      <p:cBhvr>
+                                        <p:cTn id="36" dur="1" fill="hold">
+                                          <p:stCondLst>
+                                            <p:cond delay="0"/>
+                                          </p:stCondLst>
+                                        </p:cTn>
+                                        <p:tgtEl>
+                                          <p:spTgt spid="15"/>
+                                        </p:tgtEl>
+                                        <p:attrNameLst>
+                                          <p:attrName>style.visibility</p:attrName>
+                                        </p:attrNameLst>
+                                      </p:cBhvr>
+                                      <p:to>
+                                        <p:strVal val="visible"/>
+                                      </p:to>
+                                    </p:set>
+                                  </p:childTnLst>
+                                </p:cTn>
+                              </p:par>
+                            </p:childTnLst>
+                          </p:cTn>
+                        </p:par>
+                      </p:childTnLst>
+                    </p:cTn>
+                  </p:par>
+                  <p:par>
+                    <p:cTn id="37" fill="hold">
+                      <p:stCondLst>
+                        <p:cond delay="indefinite"/>
+                      </p:stCondLst>
+                      <p:childTnLst>
+                        <p:par>
+                          <p:cTn id="38" fill="hold">
+                            <p:stCondLst>
+                              <p:cond delay="0"/>
+                            </p:stCondLst>
+                            <p:childTnLst>
+                              <p:par>
+                                <p:cTn id="39" presetID="1" presetClass="entr" presetSubtype="0" fill="hold" nodeType="clickEffect">
+                                  <p:stCondLst>
+                                    <p:cond delay="0"/>
+                                  </p:stCondLst>
+                                  <p:childTnLst>
+                                    <p:set>
+                                      <p:cBhvr>
+                                        <p:cTn id="40" dur="1" fill="hold">
+                                          <p:stCondLst>
+                                            <p:cond delay="0"/>
+                                          </p:stCondLst>
+                                        </p:cTn>
+                                        <p:tgtEl>
+                                          <p:spTgt spid="16"/>
+                                        </p:tgtEl>
+                                        <p:attrNameLst>
+                                          <p:attrName>style.visibility</p:attrName>
+                                        </p:attrNameLst>
+                                      </p:cBhvr>
+                                      <p:to>
+                                        <p:strVal val="visible"/>
+                                      </p:to>
+                                    </p:set>
+                                  </p:childTnLst>
+                                </p:cTn>
+                              </p:par>
+                              <p:par>
+                                <p:cTn id="41" presetID="1" presetClass="entr" presetSubtype="0" fill="hold" grpId="0" nodeType="withEffect">
+                                  <p:stCondLst>
+                                    <p:cond delay="0"/>
+                                  </p:stCondLst>
+                                  <p:childTnLst>
+                                    <p:set>
+                                      <p:cBhvr>
+                                        <p:cTn id="42" dur="1" fill="hold">
+                                          <p:stCondLst>
+                                            <p:cond delay="0"/>
+                                          </p:stCondLst>
+                                        </p:cTn>
+                                        <p:tgtEl>
+                                          <p:spTgt spid="26"/>
+                                        </p:tgtEl>
+                                        <p:attrNameLst>
+                                          <p:attrName>style.visibility</p:attrName>
+                                        </p:attrNameLst>
+                                      </p:cBhvr>
+                                      <p:to>
+                                        <p:strVal val="visible"/>
+                                      </p:to>
+                                    </p:set>
+                                  </p:childTnLst>
+                                </p:cTn>
+                              </p:par>
+                            </p:childTnLst>
+                          </p:cTn>
+                        </p:par>
+                      </p:childTnLst>
+                    </p:cTn>
+                  </p:par>
+                  <p:par>
+                    <p:cTn id="43" fill="hold">
+                      <p:stCondLst>
+                        <p:cond delay="indefinite"/>
+                      </p:stCondLst>
+                      <p:childTnLst>
+                        <p:par>
+                          <p:cTn id="44" fill="hold">
+                            <p:stCondLst>
+                              <p:cond delay="0"/>
+                            </p:stCondLst>
+                            <p:childTnLst>
+                              <p:par>
+                                <p:cTn id="45" presetID="1" presetClass="entr" presetSubtype="0" fill="hold" nodeType="clickEffect">
+                                  <p:stCondLst>
+                                    <p:cond delay="0"/>
+                                  </p:stCondLst>
+                                  <p:childTnLst>
+                                    <p:set>
+                                      <p:cBhvr>
+                                        <p:cTn id="46" dur="1" fill="hold">
+                                          <p:stCondLst>
+                                            <p:cond delay="0"/>
+                                          </p:stCondLst>
+                                        </p:cTn>
+                                        <p:tgtEl>
+                                          <p:spTgt spid="29"/>
+                                        </p:tgtEl>
+                                        <p:attrNameLst>
+                                          <p:attrName>style.visibility</p:attrName>
+                                        </p:attrNameLst>
+                                      </p:cBhvr>
+                                      <p:to>
+                                        <p:strVal val="visible"/>
+                                      </p:to>
+                                    </p:set>
+                                  </p:childTnLst>
+                                </p:cTn>
+                              </p:par>
+                              <p:par>
+                                <p:cTn id="47" presetID="1" presetClass="entr" presetSubtype="0" fill="hold" grpId="0" nodeType="withEffect">
+                                  <p:stCondLst>
+                                    <p:cond delay="0"/>
+                                  </p:stCondLst>
+                                  <p:childTnLst>
+                                    <p:set>
+                                      <p:cBhvr>
+                                        <p:cTn id="48" dur="1" fill="hold">
+                                          <p:stCondLst>
+                                            <p:cond delay="0"/>
+                                          </p:stCondLst>
+                                        </p:cTn>
+                                        <p:tgtEl>
+                                          <p:spTgt spid="31"/>
+                                        </p:tgtEl>
+                                        <p:attrNameLst>
+                                          <p:attrName>style.visibility</p:attrName>
+                                        </p:attrNameLst>
+                                      </p:cBhvr>
+                                      <p:to>
+                                        <p:strVal val="visible"/>
+                                      </p:to>
+                                    </p:set>
+                                  </p:childTnLst>
+                                </p:cTn>
+                              </p:par>
+                            </p:childTnLst>
+                          </p:cTn>
+                        </p:par>
+                      </p:childTnLst>
+                    </p:cTn>
+                  </p:par>
+                  <p:par>
+                    <p:cTn id="49" fill="hold">
+                      <p:stCondLst>
+                        <p:cond delay="indefinite"/>
+                      </p:stCondLst>
+                      <p:childTnLst>
+                        <p:par>
+                          <p:cTn id="50" fill="hold">
+                            <p:stCondLst>
+                              <p:cond delay="0"/>
+                            </p:stCondLst>
+                            <p:childTnLst>
+                              <p:par>
+                                <p:cTn id="51" presetID="1" presetClass="entr" presetSubtype="0" fill="hold" grpId="0" nodeType="clickEffect">
+                                  <p:stCondLst>
+                                    <p:cond delay="0"/>
+                                  </p:stCondLst>
+                                  <p:childTnLst>
+                                    <p:set>
+                                      <p:cBhvr>
+                                        <p:cTn id="52" dur="1" fill="hold">
+                                          <p:stCondLst>
+                                            <p:cond delay="0"/>
+                                          </p:stCondLst>
+                                        </p:cTn>
+                                        <p:tgtEl>
+                                          <p:spTgt spid="36"/>
+                                        </p:tgtEl>
+                                        <p:attrNameLst>
+                                          <p:attrName>style.visibility</p:attrName>
+                                        </p:attrNameLst>
+                                      </p:cBhvr>
+                                      <p:to>
+                                        <p:strVal val="visible"/>
+                                      </p:to>
+                                    </p:set>
+                                  </p:childTnLst>
+                                </p:cTn>
+                              </p:par>
+                              <p:par>
+                                <p:cTn id="53" presetID="1" presetClass="entr" presetSubtype="0" fill="hold" grpId="0" nodeType="withEffect">
+                                  <p:stCondLst>
+                                    <p:cond delay="0"/>
+                                  </p:stCondLst>
+                                  <p:childTnLst>
+                                    <p:set>
+                                      <p:cBhvr>
+                                        <p:cTn id="54" dur="1" fill="hold">
+                                          <p:stCondLst>
+                                            <p:cond delay="0"/>
+                                          </p:stCondLst>
+                                        </p:cTn>
+                                        <p:tgtEl>
+                                          <p:spTgt spid="38"/>
+                                        </p:tgtEl>
+                                        <p:attrNameLst>
+                                          <p:attrName>style.visibility</p:attrName>
+                                        </p:attrNameLst>
+                                      </p:cBhvr>
+                                      <p:to>
+                                        <p:strVal val="visible"/>
+                                      </p:to>
+                                    </p:set>
+                                  </p:childTnLst>
+                                </p:cTn>
+                              </p:par>
+                            </p:childTnLst>
+                          </p:cTn>
+                        </p:par>
+                      </p:childTnLst>
+                    </p:cTn>
+                  </p:par>
+                  <p:par>
+                    <p:cTn id="55" fill="hold">
+                      <p:stCondLst>
+                        <p:cond delay="indefinite"/>
+                      </p:stCondLst>
+                      <p:childTnLst>
+                        <p:par>
+                          <p:cTn id="56" fill="hold">
+                            <p:stCondLst>
+                              <p:cond delay="0"/>
+                            </p:stCondLst>
+                            <p:childTnLst>
+                              <p:par>
+                                <p:cTn id="57" presetID="1" presetClass="entr" presetSubtype="0" fill="hold" nodeType="clickEffect">
+                                  <p:stCondLst>
+                                    <p:cond delay="0"/>
+                                  </p:stCondLst>
+                                  <p:childTnLst>
+                                    <p:set>
+                                      <p:cBhvr>
+                                        <p:cTn id="58" dur="1" fill="hold">
+                                          <p:stCondLst>
+                                            <p:cond delay="0"/>
+                                          </p:stCondLst>
+                                        </p:cTn>
+                                        <p:tgtEl>
+                                          <p:spTgt spid="1025"/>
+                                        </p:tgtEl>
+                                        <p:attrNameLst>
+                                          <p:attrName>style.visibility</p:attrName>
+                                        </p:attrNameLst>
+                                      </p:cBhvr>
+                                      <p:to>
+                                        <p:strVal val="visible"/>
+                                      </p:to>
+                                    </p:set>
+                                  </p:childTnLst>
+                                </p:cTn>
+                              </p:par>
+                              <p:par>
+                                <p:cTn id="59" presetID="1" presetClass="entr" presetSubtype="0" fill="hold" grpId="0" nodeType="withEffect">
+                                  <p:stCondLst>
+                                    <p:cond delay="0"/>
+                                  </p:stCondLst>
+                                  <p:childTnLst>
+                                    <p:set>
+                                      <p:cBhvr>
+                                        <p:cTn id="60" dur="1" fill="hold">
+                                          <p:stCondLst>
+                                            <p:cond delay="0"/>
+                                          </p:stCondLst>
+                                        </p:cTn>
+                                        <p:tgtEl>
+                                          <p:spTgt spid="35"/>
+                                        </p:tgtEl>
+                                        <p:attrNameLst>
+                                          <p:attrName>style.visibility</p:attrName>
+                                        </p:attrNameLst>
+                                      </p:cBhvr>
+                                      <p:to>
+                                        <p:strVal val="visible"/>
+                                      </p:to>
+                                    </p:set>
+                                  </p:childTnLst>
+                                </p:cTn>
+                              </p:par>
+                              <p:par>
+                                <p:cTn id="61" presetID="1" presetClass="entr" presetSubtype="0" fill="hold" grpId="0" nodeType="withEffect">
+                                  <p:stCondLst>
+                                    <p:cond delay="0"/>
+                                  </p:stCondLst>
+                                  <p:childTnLst>
+                                    <p:set>
+                                      <p:cBhvr>
+                                        <p:cTn id="62" dur="1" fill="hold">
+                                          <p:stCondLst>
+                                            <p:cond delay="0"/>
+                                          </p:stCondLst>
+                                        </p:cTn>
+                                        <p:tgtEl>
+                                          <p:spTgt spid="39"/>
+                                        </p:tgtEl>
+                                        <p:attrNameLst>
+                                          <p:attrName>style.visibility</p:attrName>
+                                        </p:attrNameLst>
+                                      </p:cBhvr>
+                                      <p:to>
+                                        <p:strVal val="visible"/>
+                                      </p:to>
+                                    </p:set>
+                                  </p:childTnLst>
+                                </p:cTn>
+                              </p:par>
+                            </p:childTnLst>
+                          </p:cTn>
+                        </p:par>
+                      </p:childTnLst>
+                    </p:cTn>
+                  </p:par>
+                  <p:par>
+                    <p:cTn id="63" fill="hold">
+                      <p:stCondLst>
+                        <p:cond delay="indefinite"/>
+                      </p:stCondLst>
+                      <p:childTnLst>
+                        <p:par>
+                          <p:cTn id="64" fill="hold">
+                            <p:stCondLst>
+                              <p:cond delay="0"/>
+                            </p:stCondLst>
+                            <p:childTnLst>
+                              <p:par>
+                                <p:cTn id="65" presetID="1" presetClass="entr" presetSubtype="0" fill="hold" nodeType="clickEffect">
+                                  <p:stCondLst>
+                                    <p:cond delay="0"/>
+                                  </p:stCondLst>
+                                  <p:childTnLst>
+                                    <p:set>
+                                      <p:cBhvr>
+                                        <p:cTn id="66" dur="1" fill="hold">
+                                          <p:stCondLst>
+                                            <p:cond delay="0"/>
+                                          </p:stCondLst>
+                                        </p:cTn>
+                                        <p:tgtEl>
+                                          <p:spTgt spid="1029"/>
+                                        </p:tgtEl>
+                                        <p:attrNameLst>
+                                          <p:attrName>style.visibility</p:attrName>
+                                        </p:attrNameLst>
+                                      </p:cBhvr>
+                                      <p:to>
+                                        <p:strVal val="visible"/>
+                                      </p:to>
+                                    </p:set>
+                                  </p:childTnLst>
+                                </p:cTn>
+                              </p:par>
+                              <p:par>
+                                <p:cTn id="67" presetID="1" presetClass="entr" presetSubtype="0" fill="hold" grpId="0" nodeType="withEffect">
+                                  <p:stCondLst>
+                                    <p:cond delay="0"/>
+                                  </p:stCondLst>
+                                  <p:childTnLst>
+                                    <p:set>
+                                      <p:cBhvr>
+                                        <p:cTn id="68" dur="1" fill="hold">
+                                          <p:stCondLst>
+                                            <p:cond delay="0"/>
+                                          </p:stCondLst>
+                                        </p:cTn>
+                                        <p:tgtEl>
+                                          <p:spTgt spid="1031"/>
+                                        </p:tgtEl>
+                                        <p:attrNameLst>
+                                          <p:attrName>style.visibility</p:attrName>
+                                        </p:attrNameLst>
+                                      </p:cBhvr>
+                                      <p:to>
+                                        <p:strVal val="visible"/>
+                                      </p:to>
+                                    </p:set>
+                                  </p:childTnLst>
+                                </p:cTn>
+                              </p:par>
+                            </p:childTnLst>
+                          </p:cTn>
+                        </p:par>
+                      </p:childTnLst>
+                    </p:cTn>
+                  </p:par>
+                  <p:par>
+                    <p:cTn id="69" fill="hold">
+                      <p:stCondLst>
+                        <p:cond delay="indefinite"/>
+                      </p:stCondLst>
+                      <p:childTnLst>
+                        <p:par>
+                          <p:cTn id="70" fill="hold">
+                            <p:stCondLst>
+                              <p:cond delay="0"/>
+                            </p:stCondLst>
+                            <p:childTnLst>
+                              <p:par>
+                                <p:cTn id="71" presetID="1" presetClass="entr" presetSubtype="0" fill="hold" nodeType="clickEffect">
+                                  <p:stCondLst>
+                                    <p:cond delay="0"/>
+                                  </p:stCondLst>
+                                  <p:childTnLst>
+                                    <p:set>
+                                      <p:cBhvr>
+                                        <p:cTn id="72" dur="1" fill="hold">
+                                          <p:stCondLst>
+                                            <p:cond delay="0"/>
+                                          </p:stCondLst>
+                                        </p:cTn>
+                                        <p:tgtEl>
+                                          <p:spTgt spid="44"/>
+                                        </p:tgtEl>
+                                        <p:attrNameLst>
+                                          <p:attrName>style.visibility</p:attrName>
+                                        </p:attrNameLst>
+                                      </p:cBhvr>
+                                      <p:to>
+                                        <p:strVal val="visible"/>
+                                      </p:to>
+                                    </p:set>
+                                  </p:childTnLst>
+                                </p:cTn>
+                              </p:par>
+                            </p:childTnLst>
+                          </p:cTn>
+                        </p:par>
+                      </p:childTnLst>
+                    </p:cTn>
+                  </p:par>
+                </p:childTnLst>
+              </p:cTn>
+              <p:prevCondLst>
+                <p:cond evt="onPrev" delay="0">
+                  <p:tgtEl>
+                    <p:sldTgt/>
+                  </p:tgtEl>
+                </p:cond>
+              </p:prevCondLst>
+              <p:nextCondLst>
+                <p:cond evt="onNext" delay="0">
+                  <p:tgtEl>
+                    <p:sldTgt/>
+                  </p:tgtEl>
+                </p:cond>
+              </p:nextCondLst>
+            </p:seq>
+          </p:childTnLst>
+        </p:cTn>
       </p:par>
     </p:tnLst>
+    <p:bldLst>
+      <p:bldP spid="6" grpId="0" animBg="1"/>
+      <p:bldP spid="15" grpId="0" animBg="1"/>
+      <p:bldP spid="17" grpId="0"/>
+      <p:bldP spid="20" grpId="0"/>
+      <p:bldP spid="24" grpId="0"/>
+      <p:bldP spid="25" grpId="0"/>
+      <p:bldP spid="26" grpId="0"/>
+      <p:bldP spid="31" grpId="0"/>
+      <p:bldP spid="35" grpId="0"/>
+      <p:bldP spid="36" grpId="0" animBg="1"/>
+      <p:bldP spid="1027" grpId="0"/>
+      <p:bldP spid="38" grpId="0"/>
+      <p:bldP spid="39" grpId="0"/>
+      <p:bldP spid="1031" grpId="0"/>
+    </p:bldLst>
   </p:timing>
 </p:sld>
 </file>
@@ -5735,29 +7186,506 @@
             <p:ph idx="1"/>
           </p:nvPr>
         </p:nvSpPr>
-        <p:spPr/>
+        <p:spPr>
+          <a:xfrm>
+            <a:off x="1691680" y="685801"/>
+            <a:ext cx="6840760" cy="4687415"/>
+          </a:xfrm>
+        </p:spPr>
         <p:txBody>
           <a:bodyPr>
-            <a:normAutofit fontScale="92500" lnSpcReduction="10000"/>
+            <a:normAutofit fontScale="92500" lnSpcReduction="20000"/>
           </a:bodyPr>
           <a:lstStyle/>
           <a:p>
             <a:pPr algn="l" rtl="0"/>
             <a:r>
               <a:rPr lang="fr-FR" dirty="0" smtClean="0"/>
-              <a:t>The Client (</a:t>
-            </a:r>
-            <a:r>
-              <a:rPr lang="fr-FR" dirty="0" err="1" smtClean="0"/>
-              <a:t>your</a:t>
-            </a:r>
-            <a:r>
-              <a:rPr lang="fr-FR" dirty="0" smtClean="0"/>
-              <a:t> browser) </a:t>
-            </a:r>
-            <a:r>
-              <a:rPr lang="fr-FR" dirty="0" err="1" smtClean="0"/>
-              <a:t>send</a:t>
+              <a:t>In </a:t>
+            </a:r>
+            <a:r>
+              <a:rPr lang="fr-FR" dirty="0" err="1" smtClean="0"/>
+              <a:t>general</a:t>
+            </a:r>
+            <a:r>
+              <a:rPr lang="fr-FR" dirty="0" smtClean="0"/>
+              <a:t>, </a:t>
+            </a:r>
+            <a:r>
+              <a:rPr lang="fr-FR" dirty="0" smtClean="0"/>
+              <a:t>the </a:t>
+            </a:r>
+            <a:r>
+              <a:rPr lang="fr-FR" dirty="0" smtClean="0"/>
+              <a:t>web </a:t>
+            </a:r>
+            <a:r>
+              <a:rPr lang="fr-FR" dirty="0" smtClean="0"/>
+              <a:t>is </a:t>
+            </a:r>
+            <a:r>
+              <a:rPr lang="fr-FR" dirty="0" smtClean="0"/>
+              <a:t>a set </a:t>
+            </a:r>
+            <a:r>
+              <a:rPr lang="fr-FR" dirty="0" smtClean="0"/>
+              <a:t>of </a:t>
+            </a:r>
+            <a:r>
+              <a:rPr lang="fr-FR" dirty="0" err="1" smtClean="0"/>
+              <a:t>intractions</a:t>
+            </a:r>
+            <a:r>
+              <a:rPr lang="fr-FR" dirty="0" smtClean="0"/>
+              <a:t>  </a:t>
+            </a:r>
+            <a:r>
+              <a:rPr lang="fr-FR" dirty="0" err="1" smtClean="0"/>
+              <a:t>between</a:t>
+            </a:r>
+            <a:r>
+              <a:rPr lang="fr-FR" dirty="0" smtClean="0"/>
+              <a:t> </a:t>
+            </a:r>
+            <a:r>
+              <a:rPr lang="fr-FR" dirty="0" err="1" smtClean="0"/>
+              <a:t>two</a:t>
+            </a:r>
+            <a:r>
+              <a:rPr lang="fr-FR" dirty="0" smtClean="0"/>
+              <a:t> types of machines </a:t>
+            </a:r>
+            <a:r>
+              <a:rPr lang="fr-FR" dirty="0" smtClean="0"/>
+              <a:t>: </a:t>
+            </a:r>
+            <a:r>
+              <a:rPr lang="fr-FR" dirty="0" smtClean="0"/>
+              <a:t>clients (browsers, </a:t>
+            </a:r>
+            <a:r>
+              <a:rPr lang="fr-FR" dirty="0" smtClean="0"/>
+              <a:t>mobile </a:t>
+            </a:r>
+            <a:r>
+              <a:rPr lang="fr-FR" dirty="0" smtClean="0"/>
+              <a:t>applications, ..) and servers (</a:t>
+            </a:r>
+            <a:r>
+              <a:rPr lang="fr-FR" dirty="0" err="1" smtClean="0"/>
+              <a:t>huge</a:t>
+            </a:r>
+            <a:r>
+              <a:rPr lang="fr-FR" dirty="0" smtClean="0"/>
+              <a:t> </a:t>
+            </a:r>
+            <a:r>
+              <a:rPr lang="fr-FR" dirty="0" err="1" smtClean="0"/>
+              <a:t>powerful</a:t>
+            </a:r>
+            <a:r>
+              <a:rPr lang="fr-FR" dirty="0" smtClean="0"/>
+              <a:t> </a:t>
+            </a:r>
+            <a:r>
+              <a:rPr lang="fr-FR" dirty="0" err="1" smtClean="0"/>
+              <a:t>machinses</a:t>
+            </a:r>
+            <a:r>
+              <a:rPr lang="fr-FR" dirty="0" smtClean="0"/>
+              <a:t>). </a:t>
+            </a:r>
+          </a:p>
+          <a:p>
+            <a:pPr algn="l" rtl="0"/>
+            <a:r>
+              <a:rPr lang="fr-FR" dirty="0" smtClean="0"/>
+              <a:t>To </a:t>
+            </a:r>
+            <a:r>
+              <a:rPr lang="fr-FR" dirty="0" err="1" smtClean="0"/>
+              <a:t>explain</a:t>
+            </a:r>
+            <a:r>
+              <a:rPr lang="fr-FR" dirty="0" smtClean="0"/>
+              <a:t> how the web </a:t>
+            </a:r>
+            <a:r>
+              <a:rPr lang="fr-FR" dirty="0" err="1" smtClean="0"/>
+              <a:t>works</a:t>
+            </a:r>
+            <a:r>
+              <a:rPr lang="fr-FR" dirty="0" smtClean="0"/>
+              <a:t> </a:t>
+            </a:r>
+            <a:r>
+              <a:rPr lang="fr-FR" dirty="0" smtClean="0"/>
+              <a:t>(how </a:t>
+            </a:r>
+            <a:r>
+              <a:rPr lang="fr-FR" dirty="0" err="1" smtClean="0"/>
+              <a:t>this</a:t>
+            </a:r>
+            <a:r>
+              <a:rPr lang="fr-FR" dirty="0" smtClean="0"/>
+              <a:t> interactions </a:t>
+            </a:r>
+            <a:r>
+              <a:rPr lang="fr-FR" dirty="0" err="1" smtClean="0"/>
+              <a:t>happens</a:t>
+            </a:r>
+            <a:r>
+              <a:rPr lang="fr-FR" dirty="0" smtClean="0"/>
+              <a:t>) </a:t>
+            </a:r>
+            <a:r>
+              <a:rPr lang="fr-FR" dirty="0" err="1" smtClean="0"/>
+              <a:t>let’s</a:t>
+            </a:r>
+            <a:r>
+              <a:rPr lang="fr-FR" dirty="0" smtClean="0"/>
+              <a:t> </a:t>
+            </a:r>
+            <a:r>
+              <a:rPr lang="fr-FR" dirty="0" err="1" smtClean="0"/>
+              <a:t>take</a:t>
+            </a:r>
+            <a:r>
+              <a:rPr lang="fr-FR" dirty="0" smtClean="0"/>
+              <a:t> a look </a:t>
+            </a:r>
+            <a:r>
+              <a:rPr lang="fr-FR" dirty="0" err="1" smtClean="0"/>
+              <a:t>into</a:t>
+            </a:r>
+            <a:r>
+              <a:rPr lang="fr-FR" dirty="0" smtClean="0"/>
+              <a:t> </a:t>
+            </a:r>
+            <a:r>
+              <a:rPr lang="fr-FR" dirty="0" smtClean="0"/>
+              <a:t>the </a:t>
+            </a:r>
+            <a:r>
+              <a:rPr lang="fr-FR" dirty="0" err="1" smtClean="0"/>
+              <a:t>previous</a:t>
+            </a:r>
+            <a:r>
+              <a:rPr lang="fr-FR" dirty="0" smtClean="0"/>
+              <a:t> </a:t>
+            </a:r>
+            <a:r>
+              <a:rPr lang="fr-FR" dirty="0" err="1" smtClean="0"/>
+              <a:t>example</a:t>
+            </a:r>
+            <a:r>
+              <a:rPr lang="fr-FR" dirty="0" smtClean="0"/>
+              <a:t> :</a:t>
+            </a:r>
+          </a:p>
+          <a:p>
+            <a:pPr algn="l" rtl="0"/>
+            <a:endParaRPr lang="fr-FR" dirty="0" smtClean="0"/>
+          </a:p>
+          <a:p>
+            <a:pPr marL="18288" indent="0" algn="l" rtl="0">
+              <a:buNone/>
+            </a:pPr>
+            <a:r>
+              <a:rPr lang="fr-FR" dirty="0" smtClean="0"/>
+              <a:t>	   By </a:t>
+            </a:r>
+            <a:r>
+              <a:rPr lang="fr-FR" dirty="0" err="1" smtClean="0"/>
+              <a:t>tapping</a:t>
+            </a:r>
+            <a:r>
+              <a:rPr lang="fr-FR" dirty="0" smtClean="0"/>
+              <a:t> the url of the page in the browser , 	</a:t>
+            </a:r>
+            <a:r>
+              <a:rPr lang="fr-FR" dirty="0" err="1" smtClean="0"/>
+              <a:t>you</a:t>
+            </a:r>
+            <a:r>
+              <a:rPr lang="fr-FR" dirty="0" smtClean="0"/>
+              <a:t> are </a:t>
+            </a:r>
+            <a:r>
+              <a:rPr lang="fr-FR" dirty="0" err="1" smtClean="0"/>
+              <a:t>sending</a:t>
+            </a:r>
+            <a:r>
+              <a:rPr lang="fr-FR" dirty="0" smtClean="0"/>
+              <a:t> an </a:t>
+            </a:r>
+            <a:r>
+              <a:rPr lang="fr-FR" dirty="0" smtClean="0">
+                <a:solidFill>
+                  <a:srgbClr val="FFFF00"/>
+                </a:solidFill>
+              </a:rPr>
+              <a:t>HTTP </a:t>
+            </a:r>
+            <a:r>
+              <a:rPr lang="fr-FR" dirty="0" err="1" smtClean="0">
+                <a:solidFill>
+                  <a:srgbClr val="FFFF00"/>
+                </a:solidFill>
+              </a:rPr>
+              <a:t>request</a:t>
+            </a:r>
+            <a:r>
+              <a:rPr lang="fr-FR" dirty="0" smtClean="0"/>
+              <a:t> </a:t>
+            </a:r>
+            <a:r>
+              <a:rPr lang="fr-FR" dirty="0" smtClean="0"/>
+              <a:t>to </a:t>
+            </a:r>
+            <a:r>
+              <a:rPr lang="fr-FR" dirty="0" err="1" smtClean="0">
+                <a:solidFill>
+                  <a:srgbClr val="FFFF00"/>
+                </a:solidFill>
+              </a:rPr>
+              <a:t>get</a:t>
+            </a:r>
+            <a:r>
+              <a:rPr lang="fr-FR" dirty="0" smtClean="0"/>
+              <a:t> </a:t>
+            </a:r>
+            <a:r>
+              <a:rPr lang="fr-FR" dirty="0" err="1" smtClean="0"/>
+              <a:t>it</a:t>
+            </a:r>
+            <a:r>
+              <a:rPr lang="fr-FR" dirty="0" smtClean="0"/>
+              <a:t> </a:t>
+            </a:r>
+            <a:r>
+              <a:rPr lang="fr-FR" dirty="0" err="1" smtClean="0"/>
+              <a:t>from</a:t>
+            </a:r>
+            <a:r>
+              <a:rPr lang="fr-FR" dirty="0" smtClean="0"/>
+              <a:t> 	the </a:t>
+            </a:r>
+            <a:r>
+              <a:rPr lang="fr-FR" dirty="0" err="1" smtClean="0"/>
+              <a:t>webserver</a:t>
+            </a:r>
+            <a:r>
+              <a:rPr lang="fr-FR" dirty="0" smtClean="0"/>
+              <a:t>, but </a:t>
+            </a:r>
+            <a:r>
+              <a:rPr lang="fr-FR" dirty="0" err="1" smtClean="0"/>
+              <a:t>before</a:t>
+            </a:r>
+            <a:r>
+              <a:rPr lang="fr-FR" dirty="0" smtClean="0"/>
+              <a:t> </a:t>
+            </a:r>
+            <a:r>
+              <a:rPr lang="fr-FR" dirty="0" err="1" smtClean="0"/>
+              <a:t>that</a:t>
+            </a:r>
+            <a:r>
+              <a:rPr lang="fr-FR" dirty="0" smtClean="0"/>
+              <a:t>, the browser </a:t>
+            </a:r>
+            <a:r>
+              <a:rPr lang="fr-FR" dirty="0" err="1" smtClean="0"/>
+              <a:t>needs</a:t>
+            </a:r>
+            <a:r>
+              <a:rPr lang="fr-FR" dirty="0" smtClean="0"/>
+              <a:t> to 	know the ip </a:t>
+            </a:r>
+            <a:r>
+              <a:rPr lang="fr-FR" dirty="0" err="1" smtClean="0"/>
+              <a:t>address</a:t>
+            </a:r>
+            <a:r>
+              <a:rPr lang="fr-FR" dirty="0" smtClean="0"/>
+              <a:t> of the server </a:t>
+            </a:r>
+            <a:r>
+              <a:rPr lang="fr-FR" dirty="0" err="1" smtClean="0"/>
+              <a:t>where</a:t>
+            </a:r>
+            <a:r>
+              <a:rPr lang="fr-FR" dirty="0" smtClean="0"/>
+              <a:t> </a:t>
+            </a:r>
+            <a:r>
+              <a:rPr lang="fr-FR" dirty="0" err="1" smtClean="0"/>
+              <a:t>this</a:t>
+            </a:r>
+            <a:r>
+              <a:rPr lang="fr-FR" dirty="0" smtClean="0"/>
+              <a:t> page is 	</a:t>
+            </a:r>
+            <a:r>
+              <a:rPr lang="fr-FR" dirty="0" err="1" smtClean="0"/>
+              <a:t>stored</a:t>
+            </a:r>
+            <a:r>
+              <a:rPr lang="fr-FR" dirty="0" smtClean="0"/>
+              <a:t>, for </a:t>
+            </a:r>
+            <a:r>
+              <a:rPr lang="fr-FR" dirty="0" err="1" smtClean="0"/>
+              <a:t>that</a:t>
+            </a:r>
+            <a:r>
+              <a:rPr lang="fr-FR" dirty="0" smtClean="0"/>
+              <a:t>, </a:t>
+            </a:r>
+            <a:r>
+              <a:rPr lang="fr-FR" dirty="0" err="1" smtClean="0"/>
+              <a:t>he</a:t>
+            </a:r>
+            <a:r>
+              <a:rPr lang="fr-FR" dirty="0" smtClean="0"/>
+              <a:t> </a:t>
+            </a:r>
+            <a:r>
+              <a:rPr lang="fr-FR" dirty="0" err="1" smtClean="0"/>
+              <a:t>will</a:t>
+            </a:r>
+            <a:r>
+              <a:rPr lang="fr-FR" dirty="0" smtClean="0"/>
+              <a:t> </a:t>
+            </a:r>
+            <a:r>
+              <a:rPr lang="fr-FR" dirty="0" err="1" smtClean="0"/>
+              <a:t>connect</a:t>
+            </a:r>
+            <a:r>
+              <a:rPr lang="fr-FR" dirty="0" smtClean="0"/>
+              <a:t> first to the </a:t>
+            </a:r>
+            <a:r>
+              <a:rPr lang="fr-FR" dirty="0" smtClean="0">
+                <a:solidFill>
+                  <a:srgbClr val="FFFF00"/>
+                </a:solidFill>
+              </a:rPr>
+              <a:t>DNS 	server </a:t>
+            </a:r>
+            <a:r>
+              <a:rPr lang="fr-FR" dirty="0" smtClean="0"/>
+              <a:t>and </a:t>
+            </a:r>
+            <a:r>
+              <a:rPr lang="fr-FR" dirty="0" err="1" smtClean="0"/>
+              <a:t>ask</a:t>
+            </a:r>
+            <a:r>
+              <a:rPr lang="fr-FR" dirty="0" smtClean="0"/>
+              <a:t> for </a:t>
+            </a:r>
+            <a:r>
+              <a:rPr lang="fr-FR" dirty="0" err="1" smtClean="0"/>
+              <a:t>that</a:t>
+            </a:r>
+            <a:r>
+              <a:rPr lang="fr-FR" dirty="0" smtClean="0"/>
+              <a:t> </a:t>
+            </a:r>
+            <a:r>
+              <a:rPr lang="fr-FR" dirty="0" err="1" smtClean="0"/>
+              <a:t>address</a:t>
+            </a:r>
+            <a:r>
+              <a:rPr lang="fr-FR" dirty="0" smtClean="0"/>
+              <a:t>. </a:t>
+            </a:r>
+            <a:r>
+              <a:rPr lang="fr-FR" dirty="0" err="1" smtClean="0"/>
+              <a:t>After</a:t>
+            </a:r>
+            <a:r>
+              <a:rPr lang="fr-FR" dirty="0" smtClean="0"/>
+              <a:t> </a:t>
+            </a:r>
+            <a:r>
+              <a:rPr lang="fr-FR" dirty="0" err="1" smtClean="0"/>
+              <a:t>that</a:t>
+            </a:r>
+            <a:r>
+              <a:rPr lang="fr-FR" dirty="0" smtClean="0"/>
+              <a:t>, 	the 	browser </a:t>
+            </a:r>
+            <a:r>
+              <a:rPr lang="fr-FR" dirty="0" err="1" smtClean="0"/>
+              <a:t>connect</a:t>
+            </a:r>
+            <a:r>
+              <a:rPr lang="fr-FR" dirty="0" smtClean="0"/>
+              <a:t> to the </a:t>
+            </a:r>
+            <a:r>
+              <a:rPr lang="fr-FR" dirty="0" err="1" smtClean="0"/>
+              <a:t>given</a:t>
+            </a:r>
+            <a:r>
+              <a:rPr lang="fr-FR" dirty="0" smtClean="0"/>
+              <a:t> </a:t>
+            </a:r>
+            <a:r>
+              <a:rPr lang="fr-FR" dirty="0" err="1" smtClean="0"/>
+              <a:t>address</a:t>
+            </a:r>
+            <a:r>
+              <a:rPr lang="fr-FR" dirty="0" smtClean="0"/>
+              <a:t> and </a:t>
+            </a:r>
+            <a:r>
+              <a:rPr lang="fr-FR" dirty="0" err="1" smtClean="0"/>
+              <a:t>depending</a:t>
+            </a:r>
+            <a:r>
+              <a:rPr lang="fr-FR" dirty="0" smtClean="0"/>
+              <a:t> 	on the http </a:t>
+            </a:r>
+            <a:r>
+              <a:rPr lang="fr-FR" dirty="0" err="1" smtClean="0"/>
+              <a:t>method</a:t>
+            </a:r>
+            <a:r>
+              <a:rPr lang="fr-FR" dirty="0" smtClean="0"/>
+              <a:t> </a:t>
+            </a:r>
+            <a:r>
+              <a:rPr lang="fr-FR" dirty="0" err="1" smtClean="0"/>
+              <a:t>you</a:t>
+            </a:r>
+            <a:r>
+              <a:rPr lang="fr-FR" dirty="0" smtClean="0"/>
+              <a:t> </a:t>
+            </a:r>
+            <a:r>
+              <a:rPr lang="fr-FR" dirty="0" err="1" smtClean="0"/>
+              <a:t>specified</a:t>
+            </a:r>
+            <a:r>
+              <a:rPr lang="fr-FR" dirty="0" smtClean="0"/>
+              <a:t> </a:t>
+            </a:r>
+            <a:r>
+              <a:rPr lang="fr-FR" dirty="0" err="1" smtClean="0"/>
+              <a:t>you</a:t>
+            </a:r>
+            <a:r>
+              <a:rPr lang="fr-FR" dirty="0" smtClean="0"/>
+              <a:t> </a:t>
+            </a:r>
+            <a:r>
+              <a:rPr lang="fr-FR" dirty="0" err="1" smtClean="0"/>
+              <a:t>get</a:t>
             </a:r>
             <a:r>
               <a:rPr lang="fr-FR" dirty="0" smtClean="0"/>
@@ -5765,419 +7693,47 @@
             </a:r>
             <a:r>
               <a:rPr lang="fr-FR" dirty="0" err="1" smtClean="0"/>
-              <a:t>rquest</a:t>
-            </a:r>
-            <a:r>
-              <a:rPr lang="fr-FR" dirty="0" smtClean="0"/>
-              <a:t> to </a:t>
-            </a:r>
-            <a:r>
-              <a:rPr lang="fr-FR" dirty="0" err="1" smtClean="0"/>
+              <a:t>response</a:t>
+            </a:r>
+            <a:r>
+              <a:rPr lang="fr-FR" dirty="0" smtClean="0"/>
+              <a:t> 	</a:t>
+            </a:r>
+            <a:r>
+              <a:rPr lang="fr-FR" dirty="0" err="1" smtClean="0"/>
+              <a:t>from</a:t>
+            </a:r>
+            <a:r>
+              <a:rPr lang="fr-FR" dirty="0" smtClean="0"/>
+              <a:t> the server, in case of a </a:t>
+            </a:r>
+            <a:r>
+              <a:rPr lang="fr-FR" dirty="0" err="1" smtClean="0">
+                <a:solidFill>
+                  <a:srgbClr val="FFFF00"/>
+                </a:solidFill>
+              </a:rPr>
               <a:t>get</a:t>
             </a:r>
             <a:r>
-              <a:rPr lang="fr-FR" dirty="0" smtClean="0"/>
-              <a:t> the </a:t>
-            </a:r>
-            <a:r>
-              <a:rPr lang="fr-FR" dirty="0" err="1" smtClean="0"/>
-              <a:t>Gomycode</a:t>
-            </a:r>
-            <a:r>
-              <a:rPr lang="fr-FR" dirty="0" smtClean="0"/>
+              <a:rPr lang="fr-FR" dirty="0" smtClean="0">
+                <a:solidFill>
+                  <a:srgbClr val="FFFF00"/>
+                </a:solidFill>
+              </a:rPr>
               <a:t> </a:t>
             </a:r>
             <a:r>
-              <a:rPr lang="fr-FR" dirty="0" err="1" smtClean="0"/>
-              <a:t>webpage</a:t>
-            </a:r>
-            <a:r>
-              <a:rPr lang="fr-FR" dirty="0" smtClean="0"/>
-              <a:t>, </a:t>
-            </a:r>
-            <a:r>
-              <a:rPr lang="fr-FR" dirty="0" err="1" smtClean="0"/>
-              <a:t>what’s</a:t>
-            </a:r>
-            <a:r>
-              <a:rPr lang="fr-FR" dirty="0" smtClean="0"/>
-              <a:t> </a:t>
-            </a:r>
-            <a:r>
-              <a:rPr lang="fr-FR" dirty="0" err="1" smtClean="0"/>
-              <a:t>happens</a:t>
-            </a:r>
-            <a:r>
-              <a:rPr lang="fr-FR" dirty="0" smtClean="0"/>
-              <a:t> first </a:t>
-            </a:r>
-            <a:r>
-              <a:rPr lang="fr-FR" dirty="0" err="1" smtClean="0"/>
-              <a:t>is</a:t>
-            </a:r>
-            <a:r>
-              <a:rPr lang="fr-FR" dirty="0" smtClean="0"/>
-              <a:t> </a:t>
-            </a:r>
-            <a:r>
-              <a:rPr lang="fr-FR" dirty="0" err="1" smtClean="0"/>
-              <a:t>that</a:t>
-            </a:r>
-            <a:r>
-              <a:rPr lang="fr-FR" dirty="0" smtClean="0"/>
-              <a:t> </a:t>
-            </a:r>
-            <a:r>
-              <a:rPr lang="fr-FR" dirty="0" err="1" smtClean="0"/>
-              <a:t>your</a:t>
-            </a:r>
-            <a:r>
-              <a:rPr lang="fr-FR" dirty="0" smtClean="0"/>
-              <a:t> browser </a:t>
-            </a:r>
-            <a:r>
-              <a:rPr lang="fr-FR" dirty="0" err="1" smtClean="0"/>
-              <a:t>gonna</a:t>
-            </a:r>
-            <a:r>
-              <a:rPr lang="fr-FR" dirty="0" smtClean="0"/>
-              <a:t> </a:t>
-            </a:r>
-            <a:r>
-              <a:rPr lang="fr-FR" dirty="0" err="1" smtClean="0"/>
-              <a:t>connect</a:t>
-            </a:r>
-            <a:r>
-              <a:rPr lang="fr-FR" dirty="0" smtClean="0"/>
-              <a:t> to </a:t>
-            </a:r>
-            <a:r>
-              <a:rPr lang="fr-FR" dirty="0" err="1" smtClean="0"/>
-              <a:t>dns</a:t>
-            </a:r>
-            <a:r>
-              <a:rPr lang="fr-FR" dirty="0" smtClean="0"/>
-              <a:t> server to </a:t>
-            </a:r>
-            <a:r>
-              <a:rPr lang="fr-FR" dirty="0" err="1" smtClean="0"/>
-              <a:t>get</a:t>
-            </a:r>
-            <a:r>
-              <a:rPr lang="fr-FR" dirty="0" smtClean="0"/>
-              <a:t> the IP ADREES of the </a:t>
-            </a:r>
-            <a:r>
-              <a:rPr lang="fr-FR" dirty="0" err="1" smtClean="0"/>
-              <a:t>gomo</a:t>
-            </a:r>
-            <a:r>
-              <a:rPr lang="fr-FR" dirty="0" smtClean="0"/>
-              <a:t>=</a:t>
-            </a:r>
-            <a:r>
-              <a:rPr lang="fr-FR" dirty="0" err="1" smtClean="0"/>
-              <a:t>ycode</a:t>
-            </a:r>
-            <a:r>
-              <a:rPr lang="fr-FR" dirty="0" smtClean="0"/>
-              <a:t> web page, the </a:t>
-            </a:r>
-            <a:r>
-              <a:rPr lang="fr-FR" dirty="0" err="1" smtClean="0"/>
-              <a:t>dns</a:t>
-            </a:r>
-            <a:r>
-              <a:rPr lang="fr-FR" dirty="0" smtClean="0"/>
-              <a:t> server </a:t>
-            </a:r>
-            <a:r>
-              <a:rPr lang="fr-FR" dirty="0" err="1" smtClean="0"/>
-              <a:t>will</a:t>
-            </a:r>
-            <a:r>
-              <a:rPr lang="fr-FR" dirty="0" smtClean="0"/>
-              <a:t> </a:t>
-            </a:r>
-            <a:r>
-              <a:rPr lang="fr-FR" dirty="0" err="1" smtClean="0"/>
-              <a:t>responde</a:t>
-            </a:r>
-            <a:r>
-              <a:rPr lang="fr-FR" dirty="0" smtClean="0"/>
-              <a:t> to </a:t>
-            </a:r>
-            <a:r>
-              <a:rPr lang="fr-FR" dirty="0" err="1" smtClean="0"/>
-              <a:t>you</a:t>
-            </a:r>
-            <a:r>
-              <a:rPr lang="fr-FR" dirty="0" smtClean="0"/>
-              <a:t> </a:t>
-            </a:r>
-            <a:r>
-              <a:rPr lang="fr-FR" dirty="0" err="1" smtClean="0"/>
-              <a:t>aan</a:t>
-            </a:r>
-            <a:r>
-              <a:rPr lang="fr-FR" dirty="0" smtClean="0"/>
-              <a:t> </a:t>
-            </a:r>
-            <a:r>
-              <a:rPr lang="fr-FR" dirty="0" err="1" smtClean="0"/>
-              <a:t>ip</a:t>
-            </a:r>
-            <a:r>
-              <a:rPr lang="fr-FR" dirty="0" smtClean="0"/>
-              <a:t> </a:t>
-            </a:r>
-            <a:r>
-              <a:rPr lang="fr-FR" dirty="0" err="1" smtClean="0"/>
-              <a:t>adress</a:t>
-            </a:r>
-            <a:r>
-              <a:rPr lang="fr-FR" dirty="0" smtClean="0"/>
-              <a:t> to the Domain </a:t>
-            </a:r>
-            <a:r>
-              <a:rPr lang="fr-FR" dirty="0" err="1" smtClean="0"/>
-              <a:t>name</a:t>
-            </a:r>
-            <a:r>
-              <a:rPr lang="fr-FR" dirty="0" smtClean="0"/>
-              <a:t> </a:t>
-            </a:r>
-            <a:r>
-              <a:rPr lang="fr-FR" dirty="0" err="1" smtClean="0"/>
-              <a:t>you</a:t>
-            </a:r>
-            <a:r>
-              <a:rPr lang="fr-FR" dirty="0" smtClean="0"/>
-              <a:t> </a:t>
-            </a:r>
-            <a:r>
-              <a:rPr lang="fr-FR" dirty="0" err="1" smtClean="0"/>
-              <a:t>entred</a:t>
-            </a:r>
-            <a:r>
-              <a:rPr lang="fr-FR" dirty="0" smtClean="0"/>
-              <a:t> </a:t>
-            </a:r>
-            <a:r>
-              <a:rPr lang="fr-FR" dirty="0" err="1" smtClean="0"/>
-              <a:t>before</a:t>
-            </a:r>
-            <a:r>
-              <a:rPr lang="fr-FR" dirty="0" smtClean="0"/>
-              <a:t>, </a:t>
-            </a:r>
-            <a:r>
-              <a:rPr lang="fr-FR" dirty="0" err="1" smtClean="0"/>
-              <a:t>then</a:t>
-            </a:r>
-            <a:r>
-              <a:rPr lang="fr-FR" dirty="0" smtClean="0"/>
-              <a:t> the browser </a:t>
-            </a:r>
-            <a:r>
-              <a:rPr lang="fr-FR" dirty="0" err="1" smtClean="0"/>
-              <a:t>will</a:t>
-            </a:r>
-            <a:r>
-              <a:rPr lang="fr-FR" dirty="0" smtClean="0"/>
-              <a:t> </a:t>
-            </a:r>
-            <a:r>
-              <a:rPr lang="fr-FR" dirty="0" err="1" smtClean="0"/>
-              <a:t>connect</a:t>
-            </a:r>
-            <a:r>
-              <a:rPr lang="fr-FR" dirty="0" smtClean="0"/>
-              <a:t> </a:t>
-            </a:r>
-            <a:r>
-              <a:rPr lang="fr-FR" dirty="0" err="1" smtClean="0"/>
-              <a:t>this</a:t>
-            </a:r>
-            <a:r>
-              <a:rPr lang="fr-FR" dirty="0" smtClean="0"/>
-              <a:t> time to the </a:t>
-            </a:r>
-            <a:r>
-              <a:rPr lang="fr-FR" dirty="0" err="1" smtClean="0"/>
-              <a:t>given</a:t>
-            </a:r>
-            <a:r>
-              <a:rPr lang="fr-FR" dirty="0" smtClean="0"/>
-              <a:t> </a:t>
-            </a:r>
-            <a:r>
-              <a:rPr lang="fr-FR" dirty="0" err="1" smtClean="0"/>
-              <a:t>ip</a:t>
-            </a:r>
-            <a:r>
-              <a:rPr lang="fr-FR" dirty="0" smtClean="0"/>
-              <a:t> </a:t>
-            </a:r>
-            <a:r>
-              <a:rPr lang="fr-FR" dirty="0" err="1" smtClean="0"/>
-              <a:t>adress</a:t>
-            </a:r>
-            <a:r>
-              <a:rPr lang="fr-FR" dirty="0" smtClean="0"/>
-              <a:t> </a:t>
-            </a:r>
-            <a:r>
-              <a:rPr lang="fr-FR" dirty="0" err="1" smtClean="0"/>
-              <a:t>depending</a:t>
-            </a:r>
-            <a:r>
-              <a:rPr lang="fr-FR" dirty="0" smtClean="0"/>
-              <a:t> to the </a:t>
-            </a:r>
-            <a:r>
-              <a:rPr lang="fr-FR" dirty="0" err="1" smtClean="0"/>
-              <a:t>mHTTP</a:t>
-            </a:r>
-            <a:r>
-              <a:rPr lang="fr-FR" dirty="0" smtClean="0"/>
-              <a:t> </a:t>
-            </a:r>
-            <a:r>
-              <a:rPr lang="fr-FR" dirty="0" err="1" smtClean="0"/>
-              <a:t>method</a:t>
-            </a:r>
-            <a:r>
-              <a:rPr lang="fr-FR" dirty="0" smtClean="0"/>
-              <a:t> </a:t>
-            </a:r>
-            <a:r>
-              <a:rPr lang="fr-FR" dirty="0" err="1" smtClean="0"/>
-              <a:t>you</a:t>
-            </a:r>
-            <a:r>
-              <a:rPr lang="fr-FR" dirty="0" smtClean="0"/>
-              <a:t> </a:t>
-            </a:r>
-            <a:r>
-              <a:rPr lang="fr-FR" dirty="0" err="1" smtClean="0"/>
-              <a:t>specified</a:t>
-            </a:r>
-            <a:r>
-              <a:rPr lang="fr-FR" dirty="0" smtClean="0"/>
-              <a:t> in the url (</a:t>
-            </a:r>
-            <a:r>
-              <a:rPr lang="fr-FR" dirty="0" err="1" smtClean="0"/>
-              <a:t>get</a:t>
-            </a:r>
-            <a:r>
-              <a:rPr lang="fr-FR" dirty="0" smtClean="0"/>
-              <a:t>, post, ,,,), in </a:t>
-            </a:r>
-            <a:r>
-              <a:rPr lang="fr-FR" dirty="0" err="1" smtClean="0"/>
-              <a:t>this</a:t>
-            </a:r>
-            <a:r>
-              <a:rPr lang="fr-FR" dirty="0" smtClean="0"/>
-              <a:t> case the main server </a:t>
-            </a:r>
-            <a:r>
-              <a:rPr lang="fr-FR" dirty="0" err="1" smtClean="0"/>
-              <a:t>recaive</a:t>
-            </a:r>
-            <a:r>
-              <a:rPr lang="fr-FR" dirty="0" smtClean="0"/>
-              <a:t> the </a:t>
-            </a:r>
-            <a:r>
-              <a:rPr lang="fr-FR" dirty="0" err="1" smtClean="0"/>
+              <a:rPr lang="fr-FR" dirty="0" err="1" smtClean="0">
+                <a:solidFill>
+                  <a:srgbClr val="FFFF00"/>
+                </a:solidFill>
+              </a:rPr>
               <a:t>request</a:t>
             </a:r>
             <a:r>
               <a:rPr lang="fr-FR" dirty="0" smtClean="0"/>
-              <a:t> and </a:t>
-            </a:r>
-            <a:r>
-              <a:rPr lang="fr-FR" dirty="0" err="1" smtClean="0"/>
-              <a:t>response</a:t>
-            </a:r>
-            <a:r>
-              <a:rPr lang="fr-FR" dirty="0" smtClean="0"/>
-              <a:t> </a:t>
-            </a:r>
-            <a:r>
-              <a:rPr lang="fr-FR" dirty="0" err="1" smtClean="0"/>
-              <a:t>also</a:t>
-            </a:r>
-            <a:r>
-              <a:rPr lang="fr-FR" dirty="0" smtClean="0"/>
-              <a:t> </a:t>
-            </a:r>
-            <a:r>
-              <a:rPr lang="fr-FR" dirty="0" err="1" smtClean="0"/>
-              <a:t>depending</a:t>
-            </a:r>
-            <a:r>
-              <a:rPr lang="fr-FR" dirty="0" smtClean="0"/>
-              <a:t> on the </a:t>
-            </a:r>
-            <a:r>
-              <a:rPr lang="fr-FR" dirty="0" err="1" smtClean="0"/>
-              <a:t>specified</a:t>
-            </a:r>
-            <a:r>
-              <a:rPr lang="fr-FR" dirty="0" smtClean="0"/>
-              <a:t> </a:t>
-            </a:r>
-            <a:r>
-              <a:rPr lang="fr-FR" dirty="0" err="1" smtClean="0"/>
-              <a:t>request</a:t>
-            </a:r>
-            <a:r>
-              <a:rPr lang="fr-FR" dirty="0" smtClean="0"/>
-              <a:t>, in case of a simple </a:t>
-            </a:r>
-            <a:r>
-              <a:rPr lang="fr-FR" dirty="0" err="1" smtClean="0"/>
-              <a:t>static</a:t>
-            </a:r>
-            <a:r>
-              <a:rPr lang="fr-FR" dirty="0" smtClean="0"/>
-              <a:t> </a:t>
-            </a:r>
-            <a:r>
-              <a:rPr lang="fr-FR" dirty="0" err="1" smtClean="0"/>
-              <a:t>website</a:t>
-            </a:r>
-            <a:r>
-              <a:rPr lang="fr-FR" dirty="0" smtClean="0"/>
-              <a:t> the </a:t>
-            </a:r>
-            <a:r>
-              <a:rPr lang="fr-FR" dirty="0" err="1" smtClean="0"/>
-              <a:t>get</a:t>
-            </a:r>
-            <a:r>
-              <a:rPr lang="fr-FR" dirty="0" smtClean="0"/>
-              <a:t> </a:t>
-            </a:r>
-            <a:r>
-              <a:rPr lang="fr-FR" dirty="0" err="1" smtClean="0"/>
-              <a:t>request</a:t>
-            </a:r>
-            <a:r>
-              <a:rPr lang="fr-FR" dirty="0" smtClean="0"/>
-              <a:t> </a:t>
-            </a:r>
-            <a:r>
-              <a:rPr lang="fr-FR" dirty="0" err="1" smtClean="0"/>
-              <a:t>will</a:t>
-            </a:r>
-            <a:r>
-              <a:rPr lang="fr-FR" dirty="0" smtClean="0"/>
-              <a:t> </a:t>
+              <a:t>, the server 	</a:t>
             </a:r>
             <a:r>
               <a:rPr lang="fr-FR" dirty="0" err="1" smtClean="0"/>
@@ -6185,7 +7741,7 @@
             </a:r>
             <a:r>
               <a:rPr lang="fr-FR" dirty="0" smtClean="0"/>
-              <a:t> </a:t>
+              <a:t> to the browser </a:t>
             </a:r>
             <a:r>
               <a:rPr lang="fr-FR" dirty="0" err="1" smtClean="0"/>
@@ -6193,12 +7749,51 @@
             </a:r>
             <a:r>
               <a:rPr lang="fr-FR" dirty="0" smtClean="0"/>
-              <a:t> the html code </a:t>
-            </a:r>
-            <a:r>
-              <a:rPr lang="fr-FR" dirty="0" err="1" smtClean="0"/>
-              <a:t>corresponding</a:t>
-            </a:r>
+              <a:t> the code (html, css, </a:t>
+            </a:r>
+            <a:r>
+              <a:rPr lang="fr-FR" dirty="0" err="1" smtClean="0"/>
+              <a:t>js</a:t>
+            </a:r>
+            <a:r>
+              <a:rPr lang="fr-FR" dirty="0" smtClean="0"/>
+              <a:t>) of 	the </a:t>
+            </a:r>
+            <a:r>
+              <a:rPr lang="fr-FR" dirty="0" err="1" smtClean="0"/>
+              <a:t>asked</a:t>
+            </a:r>
+            <a:r>
+              <a:rPr lang="fr-FR" dirty="0" smtClean="0"/>
+              <a:t> page.</a:t>
+            </a:r>
+          </a:p>
+        </p:txBody>
+      </p:sp>
+      <p:sp>
+        <p:nvSpPr>
+          <p:cNvPr id="6" name="Espace réservé du numéro de diapositive 5"/>
+          <p:cNvSpPr>
+            <a:spLocks noGrp="1"/>
+          </p:cNvSpPr>
+          <p:nvPr>
+            <p:ph type="sldNum" sz="quarter" idx="11"/>
+          </p:nvPr>
+        </p:nvSpPr>
+        <p:spPr>
+          <a:xfrm>
+            <a:off x="8847112" y="6525344"/>
+            <a:ext cx="296888" cy="332656"/>
+          </a:xfrm>
+        </p:spPr>
+        <p:txBody>
+          <a:bodyPr/>
+          <a:lstStyle/>
+          <a:p>
+            <a:fld id="{1FE1ED11-BF9B-4B71-8AA5-D0CE5EEBCA45}" type="slidenum">
+              <a:rPr lang="ar-DZ" smtClean="0"/>
+              <a:t>3</a:t>
+            </a:fld>
             <a:endParaRPr lang="ar-DZ" dirty="0"/>
           </a:p>
         </p:txBody>
@@ -6252,7 +7847,9 @@
         </p:nvSpPr>
         <p:spPr/>
         <p:txBody>
-          <a:bodyPr/>
+          <a:bodyPr>
+            <a:normAutofit fontScale="92500" lnSpcReduction="10000"/>
+          </a:bodyPr>
           <a:lstStyle/>
           <a:p>
             <a:pPr algn="l" rtl="0"/>
@@ -6266,155 +7863,248 @@
             </a:r>
           </a:p>
           <a:p>
+            <a:pPr marL="18288" indent="0" algn="l" rtl="0">
+              <a:buNone/>
+            </a:pPr>
+            <a:r>
+              <a:rPr lang="fr-FR" dirty="0" smtClean="0"/>
+              <a:t>	Front-End : </a:t>
+            </a:r>
+            <a:r>
+              <a:rPr lang="fr-FR" dirty="0" smtClean="0"/>
+              <a:t>HTML, CSS, </a:t>
+            </a:r>
+            <a:r>
+              <a:rPr lang="fr-FR" dirty="0" smtClean="0"/>
+              <a:t>JAVASCRIPT.</a:t>
+            </a:r>
+            <a:endParaRPr lang="fr-FR" dirty="0" smtClean="0"/>
+          </a:p>
+          <a:p>
+            <a:pPr marL="18288" indent="0" algn="l" rtl="0">
+              <a:buNone/>
+            </a:pPr>
+            <a:r>
+              <a:rPr lang="fr-FR" dirty="0" smtClean="0"/>
+              <a:t>	Back-End  : </a:t>
+            </a:r>
+          </a:p>
+          <a:p>
+            <a:pPr marL="18288" indent="0" algn="l" rtl="0">
+              <a:buNone/>
+            </a:pPr>
+            <a:r>
+              <a:rPr lang="fr-FR" dirty="0"/>
+              <a:t>	</a:t>
+            </a:r>
+            <a:r>
+              <a:rPr lang="fr-FR" dirty="0" smtClean="0"/>
+              <a:t>	1- </a:t>
+            </a:r>
+            <a:r>
+              <a:rPr lang="fr-FR" dirty="0" err="1" smtClean="0"/>
+              <a:t>A</a:t>
+            </a:r>
+            <a:r>
+              <a:rPr lang="fr-FR" dirty="0" err="1" smtClean="0"/>
+              <a:t>ny</a:t>
+            </a:r>
+            <a:r>
+              <a:rPr lang="fr-FR" dirty="0" smtClean="0"/>
+              <a:t> </a:t>
+            </a:r>
+            <a:r>
+              <a:rPr lang="fr-FR" dirty="0" smtClean="0"/>
+              <a:t>back end </a:t>
+            </a:r>
+            <a:r>
+              <a:rPr lang="fr-FR" dirty="0" err="1" smtClean="0"/>
+              <a:t>language</a:t>
+            </a:r>
+            <a:r>
+              <a:rPr lang="fr-FR" dirty="0" smtClean="0"/>
+              <a:t> </a:t>
+            </a:r>
+            <a:r>
+              <a:rPr lang="fr-FR" dirty="0" err="1" smtClean="0"/>
+              <a:t>you</a:t>
+            </a:r>
+            <a:r>
+              <a:rPr lang="fr-FR" dirty="0" smtClean="0"/>
+              <a:t> </a:t>
+            </a:r>
+            <a:r>
+              <a:rPr lang="fr-FR" dirty="0" smtClean="0"/>
+              <a:t>	                    		    are </a:t>
+            </a:r>
+            <a:r>
+              <a:rPr lang="fr-FR" dirty="0" err="1" smtClean="0"/>
+              <a:t>familiar</a:t>
+            </a:r>
+            <a:r>
+              <a:rPr lang="fr-FR" dirty="0" smtClean="0"/>
+              <a:t> </a:t>
+            </a:r>
+            <a:r>
+              <a:rPr lang="fr-FR" dirty="0" err="1" smtClean="0"/>
+              <a:t>with</a:t>
+            </a:r>
+            <a:r>
+              <a:rPr lang="fr-FR" dirty="0" smtClean="0"/>
+              <a:t>, </a:t>
+            </a:r>
+            <a:r>
+              <a:rPr lang="fr-FR" dirty="0" err="1" smtClean="0"/>
+              <a:t>it</a:t>
+            </a:r>
+            <a:r>
+              <a:rPr lang="fr-FR" dirty="0" smtClean="0"/>
+              <a:t> is </a:t>
+            </a:r>
+            <a:r>
+              <a:rPr lang="fr-FR" dirty="0" err="1" smtClean="0"/>
+              <a:t>language</a:t>
+            </a:r>
+            <a:r>
+              <a:rPr lang="fr-FR" dirty="0" smtClean="0"/>
+              <a:t> </a:t>
+            </a:r>
+            <a:r>
+              <a:rPr lang="fr-FR" dirty="0" err="1" smtClean="0"/>
+              <a:t>that</a:t>
+            </a:r>
+            <a:r>
+              <a:rPr lang="fr-FR" dirty="0" smtClean="0"/>
+              <a:t> 		    </a:t>
+            </a:r>
+            <a:r>
+              <a:rPr lang="fr-FR" dirty="0" err="1" smtClean="0"/>
+              <a:t>only</a:t>
+            </a:r>
+            <a:r>
+              <a:rPr lang="fr-FR" dirty="0" smtClean="0"/>
+              <a:t> </a:t>
+            </a:r>
+            <a:r>
+              <a:rPr lang="fr-FR" dirty="0" err="1" smtClean="0"/>
+              <a:t>can</a:t>
+            </a:r>
+            <a:r>
+              <a:rPr lang="fr-FR" dirty="0" smtClean="0"/>
+              <a:t> </a:t>
+            </a:r>
+            <a:r>
+              <a:rPr lang="fr-FR" dirty="0" err="1" smtClean="0"/>
+              <a:t>be</a:t>
+            </a:r>
+            <a:r>
+              <a:rPr lang="fr-FR" dirty="0" smtClean="0"/>
+              <a:t> </a:t>
+            </a:r>
+            <a:r>
+              <a:rPr lang="fr-FR" dirty="0" err="1" smtClean="0"/>
+              <a:t>interpreted</a:t>
+            </a:r>
+            <a:r>
+              <a:rPr lang="fr-FR" dirty="0" smtClean="0"/>
+              <a:t> </a:t>
+            </a:r>
+            <a:r>
+              <a:rPr lang="fr-FR" dirty="0" smtClean="0"/>
+              <a:t>by </a:t>
+            </a:r>
+            <a:r>
+              <a:rPr lang="fr-FR" dirty="0" smtClean="0"/>
+              <a:t>the  	  		    server, ex</a:t>
+            </a:r>
+            <a:r>
+              <a:rPr lang="fr-FR" dirty="0" smtClean="0"/>
+              <a:t>: </a:t>
+            </a:r>
+            <a:r>
+              <a:rPr lang="fr-FR" dirty="0" err="1" smtClean="0"/>
+              <a:t>Nodejs</a:t>
+            </a:r>
+            <a:r>
+              <a:rPr lang="fr-FR" dirty="0" smtClean="0"/>
+              <a:t>.</a:t>
+            </a:r>
+          </a:p>
+          <a:p>
+            <a:pPr marL="18288" indent="0" algn="l" rtl="0">
+              <a:buNone/>
+            </a:pPr>
+            <a:r>
+              <a:rPr lang="fr-FR" dirty="0"/>
+              <a:t>	</a:t>
+            </a:r>
+            <a:r>
+              <a:rPr lang="fr-FR" dirty="0" smtClean="0"/>
+              <a:t>	 2- </a:t>
+            </a:r>
+            <a:r>
+              <a:rPr lang="fr-FR" dirty="0" err="1" smtClean="0"/>
+              <a:t>D</a:t>
+            </a:r>
+            <a:r>
+              <a:rPr lang="fr-FR" dirty="0" err="1" smtClean="0"/>
+              <a:t>atabases</a:t>
+            </a:r>
+            <a:r>
+              <a:rPr lang="fr-FR" dirty="0" smtClean="0"/>
+              <a:t> : know how to 			     </a:t>
+            </a:r>
+            <a:r>
+              <a:rPr lang="fr-FR" dirty="0" err="1" smtClean="0"/>
+              <a:t>manipulate</a:t>
+            </a:r>
+            <a:r>
+              <a:rPr lang="fr-FR" dirty="0" smtClean="0"/>
+              <a:t> </a:t>
+            </a:r>
+            <a:r>
+              <a:rPr lang="fr-FR" dirty="0" err="1" smtClean="0"/>
+              <a:t>databases</a:t>
+            </a:r>
+            <a:r>
+              <a:rPr lang="fr-FR" dirty="0" smtClean="0"/>
+              <a:t>, ex: SQL.</a:t>
+            </a:r>
+            <a:endParaRPr lang="fr-FR" dirty="0" smtClean="0"/>
+          </a:p>
+          <a:p>
             <a:pPr algn="l" rtl="0"/>
             <a:r>
               <a:rPr lang="fr-FR" dirty="0" smtClean="0"/>
-              <a:t>Front-End : HTML, CSS, JAVASCRIPT</a:t>
-            </a:r>
-          </a:p>
-          <a:p>
-            <a:pPr algn="l" rtl="0"/>
-            <a:r>
-              <a:rPr lang="fr-FR" dirty="0" smtClean="0"/>
-              <a:t>Back-End : </a:t>
-            </a:r>
-            <a:r>
-              <a:rPr lang="fr-FR" dirty="0" err="1" smtClean="0"/>
-              <a:t>any</a:t>
-            </a:r>
-            <a:r>
-              <a:rPr lang="fr-FR" dirty="0" smtClean="0"/>
-              <a:t> back end </a:t>
-            </a:r>
-            <a:r>
-              <a:rPr lang="fr-FR" dirty="0" err="1" smtClean="0"/>
-              <a:t>language</a:t>
-            </a:r>
-            <a:r>
-              <a:rPr lang="fr-FR" dirty="0" smtClean="0"/>
-              <a:t> </a:t>
-            </a:r>
-            <a:r>
-              <a:rPr lang="fr-FR" dirty="0" err="1" smtClean="0"/>
-              <a:t>you</a:t>
-            </a:r>
-            <a:r>
-              <a:rPr lang="fr-FR" dirty="0" smtClean="0"/>
-              <a:t> are </a:t>
-            </a:r>
-            <a:r>
-              <a:rPr lang="fr-FR" dirty="0" err="1" smtClean="0"/>
-              <a:t>familiar</a:t>
-            </a:r>
-            <a:r>
-              <a:rPr lang="fr-FR" dirty="0" smtClean="0"/>
-              <a:t> </a:t>
-            </a:r>
-            <a:r>
-              <a:rPr lang="fr-FR" dirty="0" err="1" smtClean="0"/>
-              <a:t>with</a:t>
-            </a:r>
-            <a:r>
-              <a:rPr lang="fr-FR" dirty="0" smtClean="0"/>
-              <a:t>, </a:t>
-            </a:r>
-            <a:r>
-              <a:rPr lang="fr-FR" dirty="0" err="1" smtClean="0"/>
-              <a:t>it</a:t>
-            </a:r>
-            <a:r>
-              <a:rPr lang="fr-FR" dirty="0" smtClean="0"/>
-              <a:t> </a:t>
-            </a:r>
-            <a:r>
-              <a:rPr lang="fr-FR" dirty="0" err="1" smtClean="0"/>
-              <a:t>is</a:t>
-            </a:r>
-            <a:r>
-              <a:rPr lang="fr-FR" dirty="0" smtClean="0"/>
-              <a:t> a </a:t>
-            </a:r>
-            <a:r>
-              <a:rPr lang="fr-FR" dirty="0" err="1" smtClean="0"/>
-              <a:t>language</a:t>
-            </a:r>
-            <a:r>
-              <a:rPr lang="fr-FR" dirty="0" smtClean="0"/>
-              <a:t> </a:t>
-            </a:r>
-            <a:r>
-              <a:rPr lang="fr-FR" dirty="0" err="1" smtClean="0"/>
-              <a:t>that</a:t>
-            </a:r>
-            <a:r>
-              <a:rPr lang="fr-FR" dirty="0" smtClean="0"/>
-              <a:t> </a:t>
-            </a:r>
-            <a:r>
-              <a:rPr lang="fr-FR" dirty="0" err="1" smtClean="0"/>
-              <a:t>only</a:t>
-            </a:r>
-            <a:r>
-              <a:rPr lang="fr-FR" dirty="0" smtClean="0"/>
-              <a:t> </a:t>
-            </a:r>
-            <a:r>
-              <a:rPr lang="fr-FR" dirty="0" err="1" smtClean="0"/>
-              <a:t>can</a:t>
-            </a:r>
-            <a:r>
-              <a:rPr lang="fr-FR" dirty="0" smtClean="0"/>
-              <a:t> </a:t>
-            </a:r>
-            <a:r>
-              <a:rPr lang="fr-FR" dirty="0" err="1" smtClean="0"/>
-              <a:t>be</a:t>
-            </a:r>
-            <a:r>
-              <a:rPr lang="fr-FR" dirty="0" smtClean="0"/>
-              <a:t> </a:t>
-            </a:r>
-            <a:r>
-              <a:rPr lang="fr-FR" dirty="0" err="1" smtClean="0"/>
-              <a:t>interpreted</a:t>
-            </a:r>
-            <a:r>
-              <a:rPr lang="fr-FR" dirty="0" smtClean="0"/>
-              <a:t> by the server, ex: </a:t>
-            </a:r>
-            <a:r>
-              <a:rPr lang="fr-FR" dirty="0" err="1" smtClean="0"/>
-              <a:t>Nodejs</a:t>
+              <a:t>Tools :</a:t>
             </a:r>
             <a:endParaRPr lang="fr-FR" dirty="0" smtClean="0"/>
           </a:p>
           <a:p>
-            <a:pPr algn="l" rtl="0"/>
-            <a:r>
-              <a:rPr lang="fr-FR" dirty="0" err="1" smtClean="0"/>
-              <a:t>Toolls</a:t>
-            </a:r>
-            <a:r>
-              <a:rPr lang="fr-FR" dirty="0" smtClean="0"/>
-              <a:t>:</a:t>
-            </a:r>
-          </a:p>
-          <a:p>
-            <a:pPr algn="l" rtl="0"/>
-            <a:r>
-              <a:rPr lang="fr-FR" dirty="0" smtClean="0"/>
-              <a:t>Browser</a:t>
-            </a:r>
-          </a:p>
-          <a:p>
-            <a:pPr algn="l" rtl="0"/>
+            <a:pPr marL="18288" indent="0" algn="l" rtl="0">
+              <a:buNone/>
+            </a:pPr>
+            <a:r>
+              <a:rPr lang="fr-FR" dirty="0" smtClean="0"/>
+              <a:t>	Browser.</a:t>
+            </a:r>
+            <a:endParaRPr lang="fr-FR" dirty="0"/>
+          </a:p>
+          <a:p>
+            <a:pPr marL="18288" indent="0" algn="l" rtl="0">
+              <a:buNone/>
+            </a:pPr>
+            <a:r>
+              <a:rPr lang="fr-FR" dirty="0" smtClean="0"/>
+              <a:t>	</a:t>
+            </a:r>
             <a:r>
               <a:rPr lang="fr-FR" dirty="0" err="1" smtClean="0"/>
               <a:t>Text</a:t>
             </a:r>
             <a:r>
               <a:rPr lang="fr-FR" dirty="0" smtClean="0"/>
-              <a:t> Editor</a:t>
+              <a:t> Editor.</a:t>
             </a:r>
             <a:endParaRPr lang="ar-DZ" dirty="0"/>
           </a:p>
@@ -6430,7 +8120,12 @@
             <p:ph type="title"/>
           </p:nvPr>
         </p:nvSpPr>
-        <p:spPr/>
+        <p:spPr>
+          <a:xfrm>
+            <a:off x="777240" y="5394920"/>
+            <a:ext cx="7543800" cy="914400"/>
+          </a:xfrm>
+        </p:spPr>
         <p:txBody>
           <a:bodyPr/>
           <a:lstStyle/>
@@ -6467,6 +8162,34 @@
               <a:rPr lang="fr-FR" dirty="0" smtClean="0"/>
               <a:t> ?</a:t>
             </a:r>
+            <a:endParaRPr lang="ar-DZ" dirty="0"/>
+          </a:p>
+        </p:txBody>
+      </p:sp>
+      <p:sp>
+        <p:nvSpPr>
+          <p:cNvPr id="6" name="Espace réservé du numéro de diapositive 5"/>
+          <p:cNvSpPr>
+            <a:spLocks noGrp="1"/>
+          </p:cNvSpPr>
+          <p:nvPr>
+            <p:ph type="sldNum" sz="quarter" idx="11"/>
+          </p:nvPr>
+        </p:nvSpPr>
+        <p:spPr>
+          <a:xfrm>
+            <a:off x="8847112" y="6508576"/>
+            <a:ext cx="296888" cy="349424"/>
+          </a:xfrm>
+        </p:spPr>
+        <p:txBody>
+          <a:bodyPr/>
+          <a:lstStyle/>
+          <a:p>
+            <a:fld id="{1FE1ED11-BF9B-4B71-8AA5-D0CE5EEBCA45}" type="slidenum">
+              <a:rPr lang="ar-DZ" smtClean="0"/>
+              <a:t>4</a:t>
+            </a:fld>
             <a:endParaRPr lang="ar-DZ" dirty="0"/>
           </a:p>
         </p:txBody>
@@ -6530,7 +8253,7 @@
             </a:r>
             <a:r>
               <a:rPr lang="fr-FR" dirty="0" smtClean="0"/>
-              <a:t> a </a:t>
+              <a:t> </a:t>
             </a:r>
             <a:r>
               <a:rPr lang="fr-FR" dirty="0" err="1" smtClean="0"/>
@@ -6554,22 +8277,47 @@
             </a:r>
             <a:r>
               <a:rPr lang="fr-FR" dirty="0" smtClean="0"/>
-              <a:t> of the client,</a:t>
-            </a:r>
+              <a:t> of the </a:t>
+            </a:r>
+            <a:r>
+              <a:rPr lang="fr-FR" dirty="0" smtClean="0"/>
+              <a:t>clients to </a:t>
+            </a:r>
+            <a:r>
+              <a:rPr lang="fr-FR" dirty="0" err="1" smtClean="0"/>
+              <a:t>solve</a:t>
+            </a:r>
+            <a:r>
+              <a:rPr lang="fr-FR" dirty="0" smtClean="0"/>
+              <a:t> </a:t>
+            </a:r>
+            <a:r>
+              <a:rPr lang="fr-FR" dirty="0" err="1" smtClean="0"/>
+              <a:t>their</a:t>
+            </a:r>
+            <a:r>
+              <a:rPr lang="fr-FR" dirty="0" smtClean="0"/>
+              <a:t> </a:t>
+            </a:r>
+            <a:r>
+              <a:rPr lang="fr-FR" dirty="0" err="1" smtClean="0"/>
+              <a:t>problems</a:t>
+            </a:r>
+            <a:r>
+              <a:rPr lang="fr-FR" dirty="0" smtClean="0"/>
+              <a:t>.</a:t>
+            </a:r>
+            <a:endParaRPr lang="fr-FR" dirty="0" smtClean="0"/>
           </a:p>
           <a:p>
             <a:pPr algn="l" rtl="0"/>
             <a:r>
               <a:rPr lang="fr-FR" dirty="0" err="1" smtClean="0"/>
-              <a:t>Create</a:t>
-            </a:r>
-            <a:r>
-              <a:rPr lang="fr-FR" dirty="0" smtClean="0"/>
-              <a:t> a </a:t>
-            </a:r>
-            <a:r>
-              <a:rPr lang="fr-FR" dirty="0" err="1" smtClean="0"/>
-              <a:t>website</a:t>
+              <a:t>Creat</a:t>
+            </a:r>
+            <a:r>
+              <a:rPr lang="fr-FR" dirty="0" err="1" smtClean="0"/>
+              <a:t>ing</a:t>
             </a:r>
             <a:r>
               <a:rPr lang="fr-FR" dirty="0" smtClean="0"/>
@@ -6577,6 +8325,14 @@
             </a:r>
             <a:r>
               <a:rPr lang="fr-FR" dirty="0" err="1" smtClean="0"/>
+              <a:t>websites</a:t>
+            </a:r>
+            <a:r>
+              <a:rPr lang="fr-FR" dirty="0" smtClean="0"/>
+              <a:t> </a:t>
+            </a:r>
+            <a:r>
+              <a:rPr lang="fr-FR" dirty="0" err="1" smtClean="0"/>
               <a:t>includes</a:t>
             </a:r>
             <a:r>
@@ -6597,31 +8353,23 @@
             </a:r>
             <a:r>
               <a:rPr lang="fr-FR" dirty="0" smtClean="0"/>
-              <a:t> style and animation) and back end (</a:t>
-            </a:r>
-            <a:r>
-              <a:rPr lang="fr-FR" dirty="0" err="1" smtClean="0"/>
-              <a:t>it’s</a:t>
+              <a:t> style and animation) and back end </a:t>
+            </a:r>
+            <a:r>
+              <a:rPr lang="fr-FR" dirty="0" smtClean="0"/>
+              <a:t>(</a:t>
+            </a:r>
+            <a:r>
+              <a:rPr lang="fr-FR" dirty="0" err="1" smtClean="0"/>
+              <a:t>traitment</a:t>
             </a:r>
             <a:r>
               <a:rPr lang="fr-FR" dirty="0" smtClean="0"/>
               <a:t> </a:t>
             </a:r>
             <a:r>
-              <a:rPr lang="fr-FR" dirty="0" err="1" smtClean="0"/>
-              <a:t>includes</a:t>
-            </a:r>
-            <a:r>
-              <a:rPr lang="fr-FR" dirty="0" smtClean="0"/>
-              <a:t> the </a:t>
-            </a:r>
-            <a:r>
-              <a:rPr lang="fr-FR" dirty="0" err="1" smtClean="0"/>
-              <a:t>traitment</a:t>
-            </a:r>
-            <a:r>
-              <a:rPr lang="fr-FR" dirty="0" smtClean="0"/>
-              <a:t> of data </a:t>
+              <a:rPr lang="fr-FR" dirty="0" smtClean="0"/>
+              <a:t>of data </a:t>
             </a:r>
             <a:r>
               <a:rPr lang="fr-FR" dirty="0" err="1" smtClean="0"/>
@@ -6629,55 +8377,11 @@
             </a:r>
             <a:r>
               <a:rPr lang="fr-FR" dirty="0" smtClean="0"/>
-              <a:t>/set by user and </a:t>
-            </a:r>
-            <a:r>
-              <a:rPr lang="fr-FR" dirty="0" err="1" smtClean="0"/>
-              <a:t>send</a:t>
-            </a:r>
-            <a:r>
-              <a:rPr lang="fr-FR" dirty="0" smtClean="0"/>
-              <a:t> </a:t>
-            </a:r>
-            <a:r>
-              <a:rPr lang="fr-FR" dirty="0" err="1" smtClean="0"/>
-              <a:t>it</a:t>
-            </a:r>
-            <a:r>
-              <a:rPr lang="fr-FR" dirty="0" smtClean="0"/>
-              <a:t> back; in </a:t>
-            </a:r>
-            <a:r>
-              <a:rPr lang="fr-FR" dirty="0" err="1" smtClean="0"/>
-              <a:t>generale</a:t>
-            </a:r>
-            <a:r>
-              <a:rPr lang="fr-FR" dirty="0" smtClean="0"/>
-              <a:t> </a:t>
-            </a:r>
-            <a:r>
-              <a:rPr lang="fr-FR" dirty="0" err="1" smtClean="0"/>
-              <a:t>dealing</a:t>
-            </a:r>
-            <a:r>
-              <a:rPr lang="fr-FR" dirty="0" smtClean="0"/>
-              <a:t> </a:t>
-            </a:r>
-            <a:r>
-              <a:rPr lang="fr-FR" dirty="0" err="1" smtClean="0"/>
-              <a:t>with</a:t>
-            </a:r>
-            <a:r>
-              <a:rPr lang="fr-FR" dirty="0" smtClean="0"/>
-              <a:t> </a:t>
-            </a:r>
-            <a:r>
-              <a:rPr lang="fr-FR" dirty="0" err="1" smtClean="0"/>
-              <a:t>databases</a:t>
-            </a:r>
-            <a:r>
-              <a:rPr lang="fr-FR" dirty="0" smtClean="0"/>
-              <a:t>)</a:t>
+              <a:t>/set by </a:t>
+            </a:r>
+            <a:r>
+              <a:rPr lang="fr-FR" dirty="0" smtClean="0"/>
+              <a:t>the user).</a:t>
             </a:r>
             <a:endParaRPr lang="ar-DZ" dirty="0"/>
           </a:p>
@@ -6693,7 +8397,12 @@
             <p:ph type="title"/>
           </p:nvPr>
         </p:nvSpPr>
-        <p:spPr/>
+        <p:spPr>
+          <a:xfrm>
+            <a:off x="777240" y="5373216"/>
+            <a:ext cx="7543800" cy="914400"/>
+          </a:xfrm>
+        </p:spPr>
         <p:txBody>
           <a:bodyPr/>
           <a:lstStyle/>
@@ -6722,6 +8431,34 @@
               <a:rPr lang="fr-FR" dirty="0" smtClean="0"/>
               <a:t> ?</a:t>
             </a:r>
+            <a:endParaRPr lang="ar-DZ" dirty="0"/>
+          </a:p>
+        </p:txBody>
+      </p:sp>
+      <p:sp>
+        <p:nvSpPr>
+          <p:cNvPr id="6" name="Espace réservé du numéro de diapositive 5"/>
+          <p:cNvSpPr>
+            <a:spLocks noGrp="1"/>
+          </p:cNvSpPr>
+          <p:nvPr>
+            <p:ph type="sldNum" sz="quarter" idx="11"/>
+          </p:nvPr>
+        </p:nvSpPr>
+        <p:spPr>
+          <a:xfrm>
+            <a:off x="8847112" y="6525344"/>
+            <a:ext cx="296888" cy="332656"/>
+          </a:xfrm>
+        </p:spPr>
+        <p:txBody>
+          <a:bodyPr/>
+          <a:lstStyle/>
+          <a:p>
+            <a:fld id="{1FE1ED11-BF9B-4B71-8AA5-D0CE5EEBCA45}" type="slidenum">
+              <a:rPr lang="ar-DZ" smtClean="0"/>
+              <a:t>5</a:t>
+            </a:fld>
             <a:endParaRPr lang="ar-DZ" dirty="0"/>
           </a:p>
         </p:txBody>
@@ -7021,4 +8758,265 @@
   <a:objectDefaults/>
   <a:extraClrSchemeLst/>
 </a:theme>
+</file>
+
+<file path=ppt/theme/theme2.xml><?xml version="1.0" encoding="utf-8"?>
+<a:theme xmlns:a="http://schemas.openxmlformats.org/drawingml/2006/main" name="Thème Office">
+  <a:themeElements>
+    <a:clrScheme name="Office">
+      <a:dk1>
+        <a:sysClr val="windowText" lastClr="000000"/>
+      </a:dk1>
+      <a:lt1>
+        <a:sysClr val="window" lastClr="FFFFFF"/>
+      </a:lt1>
+      <a:dk2>
+        <a:srgbClr val="44546A"/>
+      </a:dk2>
+      <a:lt2>
+        <a:srgbClr val="E7E6E6"/>
+      </a:lt2>
+      <a:accent1>
+        <a:srgbClr val="5B9BD5"/>
+      </a:accent1>
+      <a:accent2>
+        <a:srgbClr val="ED7D31"/>
+      </a:accent2>
+      <a:accent3>
+        <a:srgbClr val="A5A5A5"/>
+      </a:accent3>
+      <a:accent4>
+        <a:srgbClr val="FFC000"/>
+      </a:accent4>
+      <a:accent5>
+        <a:srgbClr val="4472C4"/>
+      </a:accent5>
+      <a:accent6>
+        <a:srgbClr val="70AD47"/>
+      </a:accent6>
+      <a:hlink>
+        <a:srgbClr val="0563C1"/>
+      </a:hlink>
+      <a:folHlink>
+        <a:srgbClr val="954F72"/>
+      </a:folHlink>
+    </a:clrScheme>
+    <a:fontScheme name="Office">
+      <a:majorFont>
+        <a:latin typeface="Calibri Light" panose="020F0302020204030204"/>
+        <a:ea typeface=""/>
+        <a:cs typeface=""/>
+        <a:font script="Jpan" typeface="ＭＳ Ｐゴシック"/>
+        <a:font script="Hang" typeface="맑은 고딕"/>
+        <a:font script="Hans" typeface="宋体"/>
+        <a:font script="Hant" typeface="新細明體"/>
+        <a:font script="Arab" typeface="Times New Roman"/>
+        <a:font script="Hebr" typeface="Times New Roman"/>
+        <a:font script="Thai" typeface="Angsana New"/>
+        <a:font script="Ethi" typeface="Nyala"/>
+        <a:font script="Beng" typeface="Vrinda"/>
+        <a:font script="Gujr" typeface="Shruti"/>
+        <a:font script="Khmr" typeface="MoolBoran"/>
+        <a:font script="Knda" typeface="Tunga"/>
+        <a:font script="Guru" typeface="Raavi"/>
+        <a:font script="Cans" typeface="Euphemia"/>
+        <a:font script="Cher" typeface="Plantagenet Cherokee"/>
+        <a:font script="Yiii" typeface="Microsoft Yi Baiti"/>
+        <a:font script="Tibt" typeface="Microsoft Himalaya"/>
+        <a:font script="Thaa" typeface="MV Boli"/>
+        <a:font script="Deva" typeface="Mangal"/>
+        <a:font script="Telu" typeface="Gautami"/>
+        <a:font script="Taml" typeface="Latha"/>
+        <a:font script="Syrc" typeface="Estrangelo Edessa"/>
+        <a:font script="Orya" typeface="Kalinga"/>
+        <a:font script="Mlym" typeface="Kartika"/>
+        <a:font script="Laoo" typeface="DokChampa"/>
+        <a:font script="Sinh" typeface="Iskoola Pota"/>
+        <a:font script="Mong" typeface="Mongolian Baiti"/>
+        <a:font script="Viet" typeface="Times New Roman"/>
+        <a:font script="Uigh" typeface="Microsoft Uighur"/>
+        <a:font script="Geor" typeface="Sylfaen"/>
+      </a:majorFont>
+      <a:minorFont>
+        <a:latin typeface="Calibri" panose="020F0502020204030204"/>
+        <a:ea typeface=""/>
+        <a:cs typeface=""/>
+        <a:font script="Jpan" typeface="ＭＳ Ｐゴシック"/>
+        <a:font script="Hang" typeface="맑은 고딕"/>
+        <a:font script="Hans" typeface="宋体"/>
+        <a:font script="Hant" typeface="新細明體"/>
+        <a:font script="Arab" typeface="Arial"/>
+        <a:font script="Hebr" typeface="Arial"/>
+        <a:font script="Thai" typeface="Cordia New"/>
+        <a:font script="Ethi" typeface="Nyala"/>
+        <a:font script="Beng" typeface="Vrinda"/>
+        <a:font script="Gujr" typeface="Shruti"/>
+        <a:font script="Khmr" typeface="DaunPenh"/>
+        <a:font script="Knda" typeface="Tunga"/>
+        <a:font script="Guru" typeface="Raavi"/>
+        <a:font script="Cans" typeface="Euphemia"/>
+        <a:font script="Cher" typeface="Plantagenet Cherokee"/>
+        <a:font script="Yiii" typeface="Microsoft Yi Baiti"/>
+        <a:font script="Tibt" typeface="Microsoft Himalaya"/>
+        <a:font script="Thaa" typeface="MV Boli"/>
+        <a:font script="Deva" typeface="Mangal"/>
+        <a:font script="Telu" typeface="Gautami"/>
+        <a:font script="Taml" typeface="Latha"/>
+        <a:font script="Syrc" typeface="Estrangelo Edessa"/>
+        <a:font script="Orya" typeface="Kalinga"/>
+        <a:font script="Mlym" typeface="Kartika"/>
+        <a:font script="Laoo" typeface="DokChampa"/>
+        <a:font script="Sinh" typeface="Iskoola Pota"/>
+        <a:font script="Mong" typeface="Mongolian Baiti"/>
+        <a:font script="Viet" typeface="Arial"/>
+        <a:font script="Uigh" typeface="Microsoft Uighur"/>
+        <a:font script="Geor" typeface="Sylfaen"/>
+      </a:minorFont>
+    </a:fontScheme>
+    <a:fmtScheme name="Office">
+      <a:fillStyleLst>
+        <a:solidFill>
+          <a:schemeClr val="phClr"/>
+        </a:solidFill>
+        <a:gradFill rotWithShape="1">
+          <a:gsLst>
+            <a:gs pos="0">
+              <a:schemeClr val="phClr">
+                <a:lumMod val="110000"/>
+                <a:satMod val="105000"/>
+                <a:tint val="67000"/>
+              </a:schemeClr>
+            </a:gs>
+            <a:gs pos="50000">
+              <a:schemeClr val="phClr">
+                <a:lumMod val="105000"/>
+                <a:satMod val="103000"/>
+                <a:tint val="73000"/>
+              </a:schemeClr>
+            </a:gs>
+            <a:gs pos="100000">
+              <a:schemeClr val="phClr">
+                <a:lumMod val="105000"/>
+                <a:satMod val="109000"/>
+                <a:tint val="81000"/>
+              </a:schemeClr>
+            </a:gs>
+          </a:gsLst>
+          <a:lin ang="5400000" scaled="0"/>
+        </a:gradFill>
+        <a:gradFill rotWithShape="1">
+          <a:gsLst>
+            <a:gs pos="0">
+              <a:schemeClr val="phClr">
+                <a:satMod val="103000"/>
+                <a:lumMod val="102000"/>
+                <a:tint val="94000"/>
+              </a:schemeClr>
+            </a:gs>
+            <a:gs pos="50000">
+              <a:schemeClr val="phClr">
+                <a:satMod val="110000"/>
+                <a:lumMod val="100000"/>
+                <a:shade val="100000"/>
+              </a:schemeClr>
+            </a:gs>
+            <a:gs pos="100000">
+              <a:schemeClr val="phClr">
+                <a:lumMod val="99000"/>
+                <a:satMod val="120000"/>
+                <a:shade val="78000"/>
+              </a:schemeClr>
+            </a:gs>
+          </a:gsLst>
+          <a:lin ang="5400000" scaled="0"/>
+        </a:gradFill>
+      </a:fillStyleLst>
+      <a:lnStyleLst>
+        <a:ln w="6350" cap="flat" cmpd="sng" algn="ctr">
+          <a:solidFill>
+            <a:schemeClr val="phClr"/>
+          </a:solidFill>
+          <a:prstDash val="solid"/>
+          <a:miter lim="800000"/>
+        </a:ln>
+        <a:ln w="12700" cap="flat" cmpd="sng" algn="ctr">
+          <a:solidFill>
+            <a:schemeClr val="phClr"/>
+          </a:solidFill>
+          <a:prstDash val="solid"/>
+          <a:miter lim="800000"/>
+        </a:ln>
+        <a:ln w="19050" cap="flat" cmpd="sng" algn="ctr">
+          <a:solidFill>
+            <a:schemeClr val="phClr"/>
+          </a:solidFill>
+          <a:prstDash val="solid"/>
+          <a:miter lim="800000"/>
+        </a:ln>
+      </a:lnStyleLst>
+      <a:effectStyleLst>
+        <a:effectStyle>
+          <a:effectLst/>
+        </a:effectStyle>
+        <a:effectStyle>
+          <a:effectLst/>
+        </a:effectStyle>
+        <a:effectStyle>
+          <a:effectLst>
+            <a:outerShdw blurRad="57150" dist="19050" dir="5400000" algn="ctr" rotWithShape="0">
+              <a:srgbClr val="000000">
+                <a:alpha val="63000"/>
+              </a:srgbClr>
+            </a:outerShdw>
+          </a:effectLst>
+        </a:effectStyle>
+      </a:effectStyleLst>
+      <a:bgFillStyleLst>
+        <a:solidFill>
+          <a:schemeClr val="phClr"/>
+        </a:solidFill>
+        <a:solidFill>
+          <a:schemeClr val="phClr">
+            <a:tint val="95000"/>
+            <a:satMod val="170000"/>
+          </a:schemeClr>
+        </a:solidFill>
+        <a:gradFill rotWithShape="1">
+          <a:gsLst>
+            <a:gs pos="0">
+              <a:schemeClr val="phClr">
+                <a:tint val="93000"/>
+                <a:satMod val="150000"/>
+                <a:shade val="98000"/>
+                <a:lumMod val="102000"/>
+              </a:schemeClr>
+            </a:gs>
+            <a:gs pos="50000">
+              <a:schemeClr val="phClr">
+                <a:tint val="98000"/>
+                <a:satMod val="130000"/>
+                <a:shade val="90000"/>
+                <a:lumMod val="103000"/>
+              </a:schemeClr>
+            </a:gs>
+            <a:gs pos="100000">
+              <a:schemeClr val="phClr">
+                <a:shade val="63000"/>
+                <a:satMod val="120000"/>
+              </a:schemeClr>
+            </a:gs>
+          </a:gsLst>
+          <a:lin ang="5400000" scaled="0"/>
+        </a:gradFill>
+      </a:bgFillStyleLst>
+    </a:fmtScheme>
+  </a:themeElements>
+  <a:objectDefaults/>
+  <a:extraClrSchemeLst/>
+  <a:extLst>
+    <a:ext uri="{05A4C25C-085E-4340-85A3-A5531E510DB2}">
+      <thm15:themeFamily xmlns:thm15="http://schemas.microsoft.com/office/thememl/2012/main" name="Office Theme" id="{62F939B6-93AF-4DB8-9C6B-D6C7DFDC589F}" vid="{4A3C46E8-61CC-4603-A589-7422A47A8E4A}"/>
+    </a:ext>
+  </a:extLst>
+</a:theme>
 </file>